--- a/PPT/OpenGLTutorial_1.pptx
+++ b/PPT/OpenGLTutorial_1.pptx
@@ -5,16 +5,17 @@
     <p:sldMasterId id="2147483648" r:id="rId1"/>
   </p:sldMasterIdLst>
   <p:notesMasterIdLst>
-    <p:notesMasterId r:id="rId9"/>
+    <p:notesMasterId r:id="rId10"/>
   </p:notesMasterIdLst>
   <p:sldIdLst>
     <p:sldId id="256" r:id="rId2"/>
     <p:sldId id="257" r:id="rId3"/>
-    <p:sldId id="258" r:id="rId4"/>
-    <p:sldId id="259" r:id="rId5"/>
-    <p:sldId id="260" r:id="rId6"/>
-    <p:sldId id="261" r:id="rId7"/>
-    <p:sldId id="262" r:id="rId8"/>
+    <p:sldId id="263" r:id="rId4"/>
+    <p:sldId id="258" r:id="rId5"/>
+    <p:sldId id="259" r:id="rId6"/>
+    <p:sldId id="260" r:id="rId7"/>
+    <p:sldId id="261" r:id="rId8"/>
+    <p:sldId id="262" r:id="rId9"/>
   </p:sldIdLst>
   <p:sldSz cx="12192000" cy="6858000"/>
   <p:notesSz cx="6858000" cy="9144000"/>
@@ -113,6 +114,11 @@
       </a:defRPr>
     </a:lvl9pPr>
   </p:defaultTextStyle>
+  <p:extLst>
+    <p:ext uri="{EFAFB233-063F-42B5-8137-9DF3F51BA10A}">
+      <p15:sldGuideLst xmlns:p15="http://schemas.microsoft.com/office/powerpoint/2012/main"/>
+    </p:ext>
+  </p:extLst>
 </p:presentation>
 </file>
 
@@ -652,7 +658,7 @@
           <a:p>
             <a:fld id="{8FA43F4F-DBE1-4D1C-A046-F2411A9802BE}" type="slidenum">
               <a:rPr lang="en-US" smtClean="0"/>
-              <a:t>3</a:t>
+              <a:t>4</a:t>
             </a:fld>
             <a:endParaRPr lang="en-US"/>
           </a:p>
@@ -843,7 +849,7 @@
           <a:p>
             <a:fld id="{8FA43F4F-DBE1-4D1C-A046-F2411A9802BE}" type="slidenum">
               <a:rPr lang="en-US" smtClean="0"/>
-              <a:t>4</a:t>
+              <a:t>5</a:t>
             </a:fld>
             <a:endParaRPr lang="en-US"/>
           </a:p>
@@ -930,7 +936,7 @@
           <a:p>
             <a:fld id="{8FA43F4F-DBE1-4D1C-A046-F2411A9802BE}" type="slidenum">
               <a:rPr lang="en-US" smtClean="0"/>
-              <a:t>5</a:t>
+              <a:t>6</a:t>
             </a:fld>
             <a:endParaRPr lang="en-US"/>
           </a:p>
@@ -4179,74 +4185,114 @@
             <p:ph type="ctrTitle"/>
           </p:nvPr>
         </p:nvSpPr>
+        <p:spPr>
+          <a:xfrm>
+            <a:off x="1219200" y="2560321"/>
+            <a:ext cx="9144000" cy="554037"/>
+          </a:xfrm>
+        </p:spPr>
+        <p:txBody>
+          <a:bodyPr>
+            <a:noAutofit/>
+          </a:bodyPr>
+          <a:lstStyle/>
+          <a:p>
+            <a:r>
+              <a:rPr lang="zh-CN" altLang="en-US" dirty="0">
+                <a:latin typeface="Microsoft YaHei" panose="020B0503020204020204" pitchFamily="34" charset="-122"/>
+                <a:ea typeface="Microsoft YaHei" panose="020B0503020204020204" pitchFamily="34" charset="-122"/>
+              </a:rPr>
+              <a:t>在安卓手机上打造瑰丽的光影世界</a:t>
+            </a:r>
+            <a:endParaRPr lang="en-US" dirty="0">
+              <a:latin typeface="Microsoft YaHei" panose="020B0503020204020204" pitchFamily="34" charset="-122"/>
+              <a:ea typeface="Microsoft YaHei" panose="020B0503020204020204" pitchFamily="34" charset="-122"/>
+            </a:endParaRPr>
+          </a:p>
+        </p:txBody>
+      </p:sp>
+      <p:sp>
+        <p:nvSpPr>
+          <p:cNvPr id="3" name="Subtitle 2">
+            <a:extLst>
+              <a:ext uri="{FF2B5EF4-FFF2-40B4-BE49-F238E27FC236}">
+                <a16:creationId xmlns:a16="http://schemas.microsoft.com/office/drawing/2014/main" id="{5532BCBF-D8C1-4746-BB1C-C40F5FF69109}"/>
+              </a:ext>
+            </a:extLst>
+          </p:cNvPr>
+          <p:cNvSpPr>
+            <a:spLocks noGrp="1"/>
+          </p:cNvSpPr>
+          <p:nvPr>
+            <p:ph type="subTitle" idx="1"/>
+          </p:nvPr>
+        </p:nvSpPr>
         <p:spPr/>
         <p:txBody>
           <a:bodyPr/>
           <a:lstStyle/>
           <a:p>
-            <a:r>
-              <a:rPr lang="zh-CN" altLang="en-US" dirty="0"/>
-              <a:t>在安卓手机上打造瑰丽的光影世界</a:t>
-            </a:r>
-            <a:endParaRPr lang="en-US" dirty="0"/>
-          </a:p>
-        </p:txBody>
-      </p:sp>
-      <p:sp>
-        <p:nvSpPr>
-          <p:cNvPr id="3" name="Subtitle 2">
-            <a:extLst>
-              <a:ext uri="{FF2B5EF4-FFF2-40B4-BE49-F238E27FC236}">
-                <a16:creationId xmlns:a16="http://schemas.microsoft.com/office/drawing/2014/main" id="{5532BCBF-D8C1-4746-BB1C-C40F5FF69109}"/>
-              </a:ext>
-            </a:extLst>
-          </p:cNvPr>
-          <p:cNvSpPr>
-            <a:spLocks noGrp="1"/>
-          </p:cNvSpPr>
-          <p:nvPr>
-            <p:ph type="subTitle" idx="1"/>
-          </p:nvPr>
-        </p:nvSpPr>
-        <p:spPr/>
-        <p:txBody>
-          <a:bodyPr/>
-          <a:lstStyle/>
-          <a:p>
             <a:pPr algn="r"/>
             <a:r>
-              <a:rPr lang="zh-CN" altLang="en-US" dirty="0"/>
+              <a:rPr lang="zh-CN" altLang="en-US" dirty="0">
+                <a:latin typeface="Microsoft YaHei" panose="020B0503020204020204" pitchFamily="34" charset="-122"/>
+                <a:ea typeface="Microsoft YaHei" panose="020B0503020204020204" pitchFamily="34" charset="-122"/>
+              </a:rPr>
               <a:t>基于</a:t>
             </a:r>
             <a:r>
-              <a:rPr lang="en-US" altLang="zh-CN" dirty="0"/>
+              <a:rPr lang="en-US" altLang="zh-CN" dirty="0">
+                <a:latin typeface="Microsoft YaHei" panose="020B0503020204020204" pitchFamily="34" charset="-122"/>
+                <a:ea typeface="Microsoft YaHei" panose="020B0503020204020204" pitchFamily="34" charset="-122"/>
+              </a:rPr>
               <a:t>Android</a:t>
             </a:r>
             <a:r>
-              <a:rPr lang="zh-CN" altLang="en-US" dirty="0"/>
+              <a:rPr lang="zh-CN" altLang="en-US" dirty="0">
+                <a:latin typeface="Microsoft YaHei" panose="020B0503020204020204" pitchFamily="34" charset="-122"/>
+                <a:ea typeface="Microsoft YaHei" panose="020B0503020204020204" pitchFamily="34" charset="-122"/>
+              </a:rPr>
               <a:t>的</a:t>
             </a:r>
             <a:r>
-              <a:rPr lang="en-US" altLang="zh-CN" dirty="0"/>
+              <a:rPr lang="en-US" altLang="zh-CN" dirty="0">
+                <a:latin typeface="Microsoft YaHei" panose="020B0503020204020204" pitchFamily="34" charset="-122"/>
+                <a:ea typeface="Microsoft YaHei" panose="020B0503020204020204" pitchFamily="34" charset="-122"/>
+              </a:rPr>
               <a:t>OpenGL ES 2.0</a:t>
             </a:r>
             <a:r>
-              <a:rPr lang="zh-CN" altLang="en-US" dirty="0"/>
+              <a:rPr lang="zh-CN" altLang="en-US" dirty="0">
+                <a:latin typeface="Microsoft YaHei" panose="020B0503020204020204" pitchFamily="34" charset="-122"/>
+                <a:ea typeface="Microsoft YaHei" panose="020B0503020204020204" pitchFamily="34" charset="-122"/>
+              </a:rPr>
               <a:t>开发</a:t>
             </a:r>
-            <a:endParaRPr lang="en-US" altLang="zh-CN" dirty="0"/>
+            <a:endParaRPr lang="en-US" altLang="zh-CN" dirty="0">
+              <a:latin typeface="Microsoft YaHei" panose="020B0503020204020204" pitchFamily="34" charset="-122"/>
+              <a:ea typeface="Microsoft YaHei" panose="020B0503020204020204" pitchFamily="34" charset="-122"/>
+            </a:endParaRPr>
           </a:p>
           <a:p>
             <a:pPr algn="r"/>
             <a:r>
-              <a:rPr lang="en-US" altLang="zh-CN" dirty="0"/>
+              <a:rPr lang="en-US" altLang="zh-CN" dirty="0">
+                <a:latin typeface="Microsoft YaHei" panose="020B0503020204020204" pitchFamily="34" charset="-122"/>
+                <a:ea typeface="Microsoft YaHei" panose="020B0503020204020204" pitchFamily="34" charset="-122"/>
+              </a:rPr>
               <a:t>Presented by </a:t>
             </a:r>
             <a:r>
-              <a:rPr lang="zh-CN" altLang="en-US" dirty="0"/>
+              <a:rPr lang="zh-CN" altLang="en-US" dirty="0">
+                <a:latin typeface="Microsoft YaHei" panose="020B0503020204020204" pitchFamily="34" charset="-122"/>
+                <a:ea typeface="Microsoft YaHei" panose="020B0503020204020204" pitchFamily="34" charset="-122"/>
+              </a:rPr>
               <a:t>胖胖小</a:t>
             </a:r>
-            <a:endParaRPr lang="en-US" dirty="0"/>
+            <a:endParaRPr lang="en-US" dirty="0">
+              <a:latin typeface="Microsoft YaHei" panose="020B0503020204020204" pitchFamily="34" charset="-122"/>
+              <a:ea typeface="Microsoft YaHei" panose="020B0503020204020204" pitchFamily="34" charset="-122"/>
+            </a:endParaRPr>
           </a:p>
         </p:txBody>
       </p:sp>
@@ -4298,22 +4344,43 @@
         </p:nvSpPr>
         <p:spPr/>
         <p:txBody>
-          <a:bodyPr/>
+          <a:bodyPr>
+            <a:normAutofit/>
+          </a:bodyPr>
           <a:lstStyle/>
           <a:p>
             <a:r>
-              <a:rPr lang="zh-CN" altLang="en-US" dirty="0"/>
+              <a:rPr lang="zh-CN" altLang="en-US" sz="2200" dirty="0">
+                <a:latin typeface="Microsoft YaHei" panose="020B0503020204020204" pitchFamily="34" charset="-122"/>
+                <a:ea typeface="Microsoft YaHei" panose="020B0503020204020204" pitchFamily="34" charset="-122"/>
+              </a:rPr>
               <a:t>学习</a:t>
             </a:r>
             <a:r>
-              <a:rPr lang="en-US" altLang="zh-CN" dirty="0"/>
+              <a:rPr lang="en-US" altLang="zh-CN" sz="2200" dirty="0">
+                <a:latin typeface="Microsoft YaHei" panose="020B0503020204020204" pitchFamily="34" charset="-122"/>
+                <a:ea typeface="Microsoft YaHei" panose="020B0503020204020204" pitchFamily="34" charset="-122"/>
+              </a:rPr>
               <a:t>OpenGL ES</a:t>
             </a:r>
             <a:r>
-              <a:rPr lang="zh-CN" altLang="en-US" dirty="0"/>
+              <a:rPr lang="zh-CN" altLang="en-US" sz="2200" dirty="0">
+                <a:latin typeface="Microsoft YaHei" panose="020B0503020204020204" pitchFamily="34" charset="-122"/>
+                <a:ea typeface="Microsoft YaHei" panose="020B0503020204020204" pitchFamily="34" charset="-122"/>
+              </a:rPr>
               <a:t>的目的</a:t>
             </a:r>
-            <a:endParaRPr lang="en-US" dirty="0"/>
+            <a:r>
+              <a:rPr lang="en-US" altLang="zh-CN" sz="2200" dirty="0">
+                <a:latin typeface="Microsoft YaHei" panose="020B0503020204020204" pitchFamily="34" charset="-122"/>
+                <a:ea typeface="Microsoft YaHei" panose="020B0503020204020204" pitchFamily="34" charset="-122"/>
+              </a:rPr>
+              <a:t>(1)</a:t>
+            </a:r>
+            <a:endParaRPr lang="en-US" sz="2200" dirty="0">
+              <a:latin typeface="Microsoft YaHei" panose="020B0503020204020204" pitchFamily="34" charset="-122"/>
+              <a:ea typeface="Microsoft YaHei" panose="020B0503020204020204" pitchFamily="34" charset="-122"/>
+            </a:endParaRPr>
           </a:p>
         </p:txBody>
       </p:sp>
@@ -4341,190 +4408,112 @@
         </p:spPr>
         <p:txBody>
           <a:bodyPr>
-            <a:normAutofit fontScale="77500" lnSpcReduction="20000"/>
+            <a:normAutofit/>
           </a:bodyPr>
           <a:lstStyle/>
           <a:p>
             <a:r>
-              <a:rPr lang="zh-CN" altLang="en-US" dirty="0"/>
+              <a:rPr lang="zh-CN" altLang="en-US" sz="1500" dirty="0">
+                <a:latin typeface="Microsoft YaHei" panose="020B0503020204020204" pitchFamily="34" charset="-122"/>
+                <a:ea typeface="Microsoft YaHei" panose="020B0503020204020204" pitchFamily="34" charset="-122"/>
+              </a:rPr>
               <a:t>构建属于自己的三维世界</a:t>
             </a:r>
-            <a:endParaRPr lang="en-US" altLang="zh-CN" dirty="0"/>
-          </a:p>
-          <a:p>
-            <a:r>
-              <a:rPr lang="zh-CN" altLang="en-US" dirty="0"/>
+            <a:endParaRPr lang="en-US" altLang="zh-CN" sz="1500" dirty="0">
+              <a:latin typeface="Microsoft YaHei" panose="020B0503020204020204" pitchFamily="34" charset="-122"/>
+              <a:ea typeface="Microsoft YaHei" panose="020B0503020204020204" pitchFamily="34" charset="-122"/>
+            </a:endParaRPr>
+          </a:p>
+          <a:p>
+            <a:r>
+              <a:rPr lang="zh-CN" altLang="en-US" sz="1500" dirty="0">
+                <a:latin typeface="Microsoft YaHei" panose="020B0503020204020204" pitchFamily="34" charset="-122"/>
+                <a:ea typeface="Microsoft YaHei" panose="020B0503020204020204" pitchFamily="34" charset="-122"/>
+              </a:rPr>
               <a:t>了解显卡</a:t>
             </a:r>
-            <a:endParaRPr lang="en-US" altLang="zh-CN" dirty="0"/>
+            <a:r>
+              <a:rPr lang="en-US" altLang="zh-CN" sz="1500" dirty="0">
+                <a:latin typeface="Microsoft YaHei" panose="020B0503020204020204" pitchFamily="34" charset="-122"/>
+                <a:ea typeface="Microsoft YaHei" panose="020B0503020204020204" pitchFamily="34" charset="-122"/>
+              </a:rPr>
+              <a:t>, </a:t>
+            </a:r>
+            <a:r>
+              <a:rPr lang="zh-CN" altLang="en-US" sz="1500" dirty="0">
+                <a:latin typeface="Microsoft YaHei" panose="020B0503020204020204" pitchFamily="34" charset="-122"/>
+                <a:ea typeface="Microsoft YaHei" panose="020B0503020204020204" pitchFamily="34" charset="-122"/>
+              </a:rPr>
+              <a:t>不一样的超并行计算架构</a:t>
+            </a:r>
+            <a:endParaRPr lang="en-US" altLang="zh-CN" sz="1500" dirty="0">
+              <a:latin typeface="Microsoft YaHei" panose="020B0503020204020204" pitchFamily="34" charset="-122"/>
+              <a:ea typeface="Microsoft YaHei" panose="020B0503020204020204" pitchFamily="34" charset="-122"/>
+            </a:endParaRPr>
+          </a:p>
+          <a:p>
+            <a:r>
+              <a:rPr lang="zh-CN" altLang="en-US" sz="1500" dirty="0">
+                <a:latin typeface="Microsoft YaHei" panose="020B0503020204020204" pitchFamily="34" charset="-122"/>
+                <a:ea typeface="Microsoft YaHei" panose="020B0503020204020204" pitchFamily="34" charset="-122"/>
+              </a:rPr>
+              <a:t>好看，炫目，夺人眼球！</a:t>
+            </a:r>
+          </a:p>
+          <a:p>
+            <a:r>
+              <a:rPr lang="zh-CN" altLang="en-US" sz="1500" dirty="0">
+                <a:latin typeface="Microsoft YaHei" panose="020B0503020204020204" pitchFamily="34" charset="-122"/>
+                <a:ea typeface="Microsoft YaHei" panose="020B0503020204020204" pitchFamily="34" charset="-122"/>
+              </a:rPr>
+              <a:t>满满的干货</a:t>
+            </a:r>
+            <a:endParaRPr lang="en-US" altLang="zh-CN" sz="1500" dirty="0">
+              <a:latin typeface="Microsoft YaHei" panose="020B0503020204020204" pitchFamily="34" charset="-122"/>
+              <a:ea typeface="Microsoft YaHei" panose="020B0503020204020204" pitchFamily="34" charset="-122"/>
+            </a:endParaRPr>
           </a:p>
           <a:p>
             <a:pPr lvl="1"/>
             <a:r>
-              <a:rPr lang="zh-CN" altLang="en-US" dirty="0"/>
-              <a:t>不一样的超并行计算架构</a:t>
-            </a:r>
-            <a:endParaRPr lang="en-US" altLang="zh-CN" dirty="0"/>
-          </a:p>
-          <a:p>
-            <a:r>
-              <a:rPr lang="zh-CN" altLang="en-US" dirty="0"/>
-              <a:t>好看，炫目，夺人眼球！</a:t>
-            </a:r>
-            <a:endParaRPr lang="en-US" altLang="zh-CN" dirty="0"/>
+              <a:rPr lang="zh-CN" altLang="en-US" dirty="0">
+                <a:latin typeface="Microsoft YaHei" panose="020B0503020204020204" pitchFamily="34" charset="-122"/>
+                <a:ea typeface="Microsoft YaHei" panose="020B0503020204020204" pitchFamily="34" charset="-122"/>
+              </a:rPr>
+              <a:t>什么是干货？ 人无我有，人有我新！</a:t>
+            </a:r>
+            <a:endParaRPr lang="en-US" altLang="zh-CN" dirty="0">
+              <a:latin typeface="Microsoft YaHei" panose="020B0503020204020204" pitchFamily="34" charset="-122"/>
+              <a:ea typeface="Microsoft YaHei" panose="020B0503020204020204" pitchFamily="34" charset="-122"/>
+            </a:endParaRPr>
           </a:p>
           <a:p>
             <a:pPr lvl="1"/>
             <a:r>
-              <a:rPr lang="zh-CN" altLang="en-US" dirty="0"/>
-              <a:t>追女神必备</a:t>
-            </a:r>
-            <a:endParaRPr lang="en-US" altLang="zh-CN" dirty="0"/>
-          </a:p>
-          <a:p>
-            <a:r>
-              <a:rPr lang="zh-CN" altLang="en-US" dirty="0"/>
-              <a:t>满满的干货</a:t>
-            </a:r>
-            <a:endParaRPr lang="en-US" altLang="zh-CN" dirty="0"/>
+              <a:rPr lang="zh-CN" altLang="en-US" dirty="0">
+                <a:latin typeface="Microsoft YaHei" panose="020B0503020204020204" pitchFamily="34" charset="-122"/>
+                <a:ea typeface="Microsoft YaHei" panose="020B0503020204020204" pitchFamily="34" charset="-122"/>
+              </a:rPr>
+              <a:t>数学，物理</a:t>
+            </a:r>
+            <a:endParaRPr lang="en-US" altLang="zh-CN" dirty="0">
+              <a:latin typeface="Microsoft YaHei" panose="020B0503020204020204" pitchFamily="34" charset="-122"/>
+              <a:ea typeface="Microsoft YaHei" panose="020B0503020204020204" pitchFamily="34" charset="-122"/>
+            </a:endParaRPr>
           </a:p>
           <a:p>
             <a:pPr lvl="1"/>
             <a:r>
-              <a:rPr lang="zh-CN" altLang="en-US" dirty="0"/>
-              <a:t>什么是干货？ 人无我有，人有我新！</a:t>
-            </a:r>
-            <a:endParaRPr lang="en-US" altLang="zh-CN" dirty="0"/>
-          </a:p>
-          <a:p>
-            <a:pPr lvl="1"/>
-            <a:r>
-              <a:rPr lang="zh-CN" altLang="en-US" dirty="0"/>
-              <a:t>数学，物理</a:t>
-            </a:r>
-            <a:endParaRPr lang="en-US" altLang="zh-CN" dirty="0"/>
-          </a:p>
-          <a:p>
-            <a:pPr lvl="1"/>
-            <a:r>
-              <a:rPr lang="zh-CN" altLang="en-US" dirty="0"/>
+              <a:rPr lang="zh-CN" altLang="en-US" dirty="0">
+                <a:latin typeface="Microsoft YaHei" panose="020B0503020204020204" pitchFamily="34" charset="-122"/>
+                <a:ea typeface="Microsoft YaHei" panose="020B0503020204020204" pitchFamily="34" charset="-122"/>
+              </a:rPr>
               <a:t>显卡编程，有几个人会？你听说过周围有人会吗？</a:t>
             </a:r>
-            <a:endParaRPr lang="en-US" dirty="0"/>
-          </a:p>
-          <a:p>
-            <a:r>
-              <a:rPr lang="en-US" dirty="0"/>
-              <a:t>21</a:t>
-            </a:r>
-            <a:r>
-              <a:rPr lang="zh-CN" altLang="en-US" dirty="0"/>
-              <a:t>世纪什么最赚钱？</a:t>
-            </a:r>
-            <a:endParaRPr lang="en-US" altLang="zh-CN" dirty="0"/>
-          </a:p>
-          <a:p>
-            <a:pPr lvl="1"/>
-            <a:r>
-              <a:rPr lang="zh-CN" altLang="en-US" dirty="0"/>
-              <a:t>游戏！</a:t>
-            </a:r>
-            <a:endParaRPr lang="en-US" altLang="zh-CN" dirty="0"/>
-          </a:p>
-          <a:p>
-            <a:pPr lvl="2"/>
-            <a:r>
-              <a:rPr lang="zh-CN" altLang="en-US" dirty="0"/>
-              <a:t>手机游戏！ </a:t>
-            </a:r>
-            <a:r>
-              <a:rPr lang="en-US" altLang="zh-CN" dirty="0"/>
-              <a:t>-- </a:t>
-            </a:r>
-            <a:r>
-              <a:rPr lang="zh-CN" altLang="en-US" dirty="0"/>
-              <a:t>腾讯 王者荣耀</a:t>
-            </a:r>
-            <a:endParaRPr lang="en-US" altLang="zh-CN" dirty="0"/>
-          </a:p>
-          <a:p>
-            <a:pPr lvl="2"/>
-            <a:r>
-              <a:rPr lang="zh-CN" altLang="en-US" dirty="0"/>
-              <a:t>网页游戏！</a:t>
-            </a:r>
-            <a:endParaRPr lang="en-US" altLang="zh-CN" dirty="0"/>
-          </a:p>
-          <a:p>
-            <a:pPr lvl="2"/>
-            <a:r>
-              <a:rPr lang="en-US" altLang="zh-CN" dirty="0"/>
-              <a:t>VR/AR</a:t>
-            </a:r>
-            <a:r>
-              <a:rPr lang="zh-CN" altLang="en-US" dirty="0"/>
-              <a:t>游戏</a:t>
-            </a:r>
-            <a:endParaRPr lang="en-US" altLang="zh-CN" dirty="0"/>
-          </a:p>
-          <a:p>
-            <a:pPr lvl="1"/>
-            <a:r>
-              <a:rPr lang="en-US" altLang="zh-CN" dirty="0"/>
-              <a:t>AI</a:t>
-            </a:r>
-          </a:p>
-          <a:p>
-            <a:pPr lvl="2"/>
-            <a:r>
-              <a:rPr lang="zh-CN" altLang="en-US" dirty="0"/>
-              <a:t>深度学习的核心算法大多都是用</a:t>
-            </a:r>
-            <a:r>
-              <a:rPr lang="en-US" altLang="zh-CN" dirty="0"/>
-              <a:t>Shading language</a:t>
-            </a:r>
-            <a:r>
-              <a:rPr lang="zh-CN" altLang="en-US" dirty="0"/>
-              <a:t>实现</a:t>
-            </a:r>
-            <a:endParaRPr lang="en-US" altLang="zh-CN" dirty="0"/>
-          </a:p>
-          <a:p>
-            <a:pPr lvl="1"/>
-            <a:r>
-              <a:rPr lang="en-US" altLang="zh-CN" dirty="0"/>
-              <a:t>Bitcoin</a:t>
-            </a:r>
-            <a:r>
-              <a:rPr lang="zh-CN" altLang="en-US" dirty="0"/>
-              <a:t>挖矿</a:t>
-            </a:r>
-            <a:endParaRPr lang="en-US" altLang="zh-CN" dirty="0"/>
-          </a:p>
-          <a:p>
-            <a:pPr lvl="2"/>
-            <a:r>
-              <a:rPr lang="zh-CN" altLang="en-US" dirty="0"/>
-              <a:t>挖矿软件核心算法大多都是</a:t>
-            </a:r>
-            <a:r>
-              <a:rPr lang="en-US" altLang="zh-CN" dirty="0"/>
-              <a:t>Shading language</a:t>
-            </a:r>
-            <a:r>
-              <a:rPr lang="zh-CN" altLang="en-US" dirty="0"/>
-              <a:t>实现</a:t>
-            </a:r>
-            <a:endParaRPr lang="en-US" altLang="zh-CN" dirty="0"/>
-          </a:p>
-          <a:p>
-            <a:pPr lvl="2"/>
-            <a:r>
-              <a:rPr lang="zh-CN" altLang="en-US" dirty="0"/>
-              <a:t>矿机都是显卡</a:t>
-            </a:r>
-            <a:endParaRPr lang="en-US" altLang="zh-CN" dirty="0"/>
+            <a:endParaRPr lang="en-US" dirty="0">
+              <a:latin typeface="Microsoft YaHei" panose="020B0503020204020204" pitchFamily="34" charset="-122"/>
+              <a:ea typeface="Microsoft YaHei" panose="020B0503020204020204" pitchFamily="34" charset="-122"/>
+            </a:endParaRPr>
           </a:p>
         </p:txBody>
       </p:sp>
@@ -5267,1242 +5256,6 @@
                       </p:childTnLst>
                     </p:cTn>
                   </p:par>
-                  <p:par>
-                    <p:cTn id="45" fill="hold">
-                      <p:stCondLst>
-                        <p:cond delay="indefinite"/>
-                      </p:stCondLst>
-                      <p:childTnLst>
-                        <p:par>
-                          <p:cTn id="46" fill="hold">
-                            <p:stCondLst>
-                              <p:cond delay="0"/>
-                            </p:stCondLst>
-                            <p:childTnLst>
-                              <p:par>
-                                <p:cTn id="47" presetID="2" presetClass="entr" presetSubtype="4" fill="hold" nodeType="clickEffect">
-                                  <p:stCondLst>
-                                    <p:cond delay="0"/>
-                                  </p:stCondLst>
-                                  <p:childTnLst>
-                                    <p:set>
-                                      <p:cBhvr>
-                                        <p:cTn id="48" dur="1" fill="hold">
-                                          <p:stCondLst>
-                                            <p:cond delay="0"/>
-                                          </p:stCondLst>
-                                        </p:cTn>
-                                        <p:tgtEl>
-                                          <p:spTgt spid="3">
-                                            <p:txEl>
-                                              <p:pRg st="7" end="7"/>
-                                            </p:txEl>
-                                          </p:spTgt>
-                                        </p:tgtEl>
-                                        <p:attrNameLst>
-                                          <p:attrName>style.visibility</p:attrName>
-                                        </p:attrNameLst>
-                                      </p:cBhvr>
-                                      <p:to>
-                                        <p:strVal val="visible"/>
-                                      </p:to>
-                                    </p:set>
-                                    <p:anim calcmode="lin" valueType="num">
-                                      <p:cBhvr additive="base">
-                                        <p:cTn id="49" dur="500" fill="hold"/>
-                                        <p:tgtEl>
-                                          <p:spTgt spid="3">
-                                            <p:txEl>
-                                              <p:pRg st="7" end="7"/>
-                                            </p:txEl>
-                                          </p:spTgt>
-                                        </p:tgtEl>
-                                        <p:attrNameLst>
-                                          <p:attrName>ppt_x</p:attrName>
-                                        </p:attrNameLst>
-                                      </p:cBhvr>
-                                      <p:tavLst>
-                                        <p:tav tm="0">
-                                          <p:val>
-                                            <p:strVal val="#ppt_x"/>
-                                          </p:val>
-                                        </p:tav>
-                                        <p:tav tm="100000">
-                                          <p:val>
-                                            <p:strVal val="#ppt_x"/>
-                                          </p:val>
-                                        </p:tav>
-                                      </p:tavLst>
-                                    </p:anim>
-                                    <p:anim calcmode="lin" valueType="num">
-                                      <p:cBhvr additive="base">
-                                        <p:cTn id="50" dur="500" fill="hold"/>
-                                        <p:tgtEl>
-                                          <p:spTgt spid="3">
-                                            <p:txEl>
-                                              <p:pRg st="7" end="7"/>
-                                            </p:txEl>
-                                          </p:spTgt>
-                                        </p:tgtEl>
-                                        <p:attrNameLst>
-                                          <p:attrName>ppt_y</p:attrName>
-                                        </p:attrNameLst>
-                                      </p:cBhvr>
-                                      <p:tavLst>
-                                        <p:tav tm="0">
-                                          <p:val>
-                                            <p:strVal val="1+#ppt_h/2"/>
-                                          </p:val>
-                                        </p:tav>
-                                        <p:tav tm="100000">
-                                          <p:val>
-                                            <p:strVal val="#ppt_y"/>
-                                          </p:val>
-                                        </p:tav>
-                                      </p:tavLst>
-                                    </p:anim>
-                                  </p:childTnLst>
-                                </p:cTn>
-                              </p:par>
-                            </p:childTnLst>
-                          </p:cTn>
-                        </p:par>
-                      </p:childTnLst>
-                    </p:cTn>
-                  </p:par>
-                  <p:par>
-                    <p:cTn id="51" fill="hold">
-                      <p:stCondLst>
-                        <p:cond delay="indefinite"/>
-                      </p:stCondLst>
-                      <p:childTnLst>
-                        <p:par>
-                          <p:cTn id="52" fill="hold">
-                            <p:stCondLst>
-                              <p:cond delay="0"/>
-                            </p:stCondLst>
-                            <p:childTnLst>
-                              <p:par>
-                                <p:cTn id="53" presetID="2" presetClass="entr" presetSubtype="4" fill="hold" nodeType="clickEffect">
-                                  <p:stCondLst>
-                                    <p:cond delay="0"/>
-                                  </p:stCondLst>
-                                  <p:childTnLst>
-                                    <p:set>
-                                      <p:cBhvr>
-                                        <p:cTn id="54" dur="1" fill="hold">
-                                          <p:stCondLst>
-                                            <p:cond delay="0"/>
-                                          </p:stCondLst>
-                                        </p:cTn>
-                                        <p:tgtEl>
-                                          <p:spTgt spid="3">
-                                            <p:txEl>
-                                              <p:pRg st="8" end="8"/>
-                                            </p:txEl>
-                                          </p:spTgt>
-                                        </p:tgtEl>
-                                        <p:attrNameLst>
-                                          <p:attrName>style.visibility</p:attrName>
-                                        </p:attrNameLst>
-                                      </p:cBhvr>
-                                      <p:to>
-                                        <p:strVal val="visible"/>
-                                      </p:to>
-                                    </p:set>
-                                    <p:anim calcmode="lin" valueType="num">
-                                      <p:cBhvr additive="base">
-                                        <p:cTn id="55" dur="500" fill="hold"/>
-                                        <p:tgtEl>
-                                          <p:spTgt spid="3">
-                                            <p:txEl>
-                                              <p:pRg st="8" end="8"/>
-                                            </p:txEl>
-                                          </p:spTgt>
-                                        </p:tgtEl>
-                                        <p:attrNameLst>
-                                          <p:attrName>ppt_x</p:attrName>
-                                        </p:attrNameLst>
-                                      </p:cBhvr>
-                                      <p:tavLst>
-                                        <p:tav tm="0">
-                                          <p:val>
-                                            <p:strVal val="#ppt_x"/>
-                                          </p:val>
-                                        </p:tav>
-                                        <p:tav tm="100000">
-                                          <p:val>
-                                            <p:strVal val="#ppt_x"/>
-                                          </p:val>
-                                        </p:tav>
-                                      </p:tavLst>
-                                    </p:anim>
-                                    <p:anim calcmode="lin" valueType="num">
-                                      <p:cBhvr additive="base">
-                                        <p:cTn id="56" dur="500" fill="hold"/>
-                                        <p:tgtEl>
-                                          <p:spTgt spid="3">
-                                            <p:txEl>
-                                              <p:pRg st="8" end="8"/>
-                                            </p:txEl>
-                                          </p:spTgt>
-                                        </p:tgtEl>
-                                        <p:attrNameLst>
-                                          <p:attrName>ppt_y</p:attrName>
-                                        </p:attrNameLst>
-                                      </p:cBhvr>
-                                      <p:tavLst>
-                                        <p:tav tm="0">
-                                          <p:val>
-                                            <p:strVal val="1+#ppt_h/2"/>
-                                          </p:val>
-                                        </p:tav>
-                                        <p:tav tm="100000">
-                                          <p:val>
-                                            <p:strVal val="#ppt_y"/>
-                                          </p:val>
-                                        </p:tav>
-                                      </p:tavLst>
-                                    </p:anim>
-                                  </p:childTnLst>
-                                </p:cTn>
-                              </p:par>
-                            </p:childTnLst>
-                          </p:cTn>
-                        </p:par>
-                      </p:childTnLst>
-                    </p:cTn>
-                  </p:par>
-                  <p:par>
-                    <p:cTn id="57" fill="hold">
-                      <p:stCondLst>
-                        <p:cond delay="indefinite"/>
-                      </p:stCondLst>
-                      <p:childTnLst>
-                        <p:par>
-                          <p:cTn id="58" fill="hold">
-                            <p:stCondLst>
-                              <p:cond delay="0"/>
-                            </p:stCondLst>
-                            <p:childTnLst>
-                              <p:par>
-                                <p:cTn id="59" presetID="2" presetClass="entr" presetSubtype="4" fill="hold" nodeType="clickEffect">
-                                  <p:stCondLst>
-                                    <p:cond delay="0"/>
-                                  </p:stCondLst>
-                                  <p:childTnLst>
-                                    <p:set>
-                                      <p:cBhvr>
-                                        <p:cTn id="60" dur="1" fill="hold">
-                                          <p:stCondLst>
-                                            <p:cond delay="0"/>
-                                          </p:stCondLst>
-                                        </p:cTn>
-                                        <p:tgtEl>
-                                          <p:spTgt spid="3">
-                                            <p:txEl>
-                                              <p:pRg st="9" end="9"/>
-                                            </p:txEl>
-                                          </p:spTgt>
-                                        </p:tgtEl>
-                                        <p:attrNameLst>
-                                          <p:attrName>style.visibility</p:attrName>
-                                        </p:attrNameLst>
-                                      </p:cBhvr>
-                                      <p:to>
-                                        <p:strVal val="visible"/>
-                                      </p:to>
-                                    </p:set>
-                                    <p:anim calcmode="lin" valueType="num">
-                                      <p:cBhvr additive="base">
-                                        <p:cTn id="61" dur="500" fill="hold"/>
-                                        <p:tgtEl>
-                                          <p:spTgt spid="3">
-                                            <p:txEl>
-                                              <p:pRg st="9" end="9"/>
-                                            </p:txEl>
-                                          </p:spTgt>
-                                        </p:tgtEl>
-                                        <p:attrNameLst>
-                                          <p:attrName>ppt_x</p:attrName>
-                                        </p:attrNameLst>
-                                      </p:cBhvr>
-                                      <p:tavLst>
-                                        <p:tav tm="0">
-                                          <p:val>
-                                            <p:strVal val="#ppt_x"/>
-                                          </p:val>
-                                        </p:tav>
-                                        <p:tav tm="100000">
-                                          <p:val>
-                                            <p:strVal val="#ppt_x"/>
-                                          </p:val>
-                                        </p:tav>
-                                      </p:tavLst>
-                                    </p:anim>
-                                    <p:anim calcmode="lin" valueType="num">
-                                      <p:cBhvr additive="base">
-                                        <p:cTn id="62" dur="500" fill="hold"/>
-                                        <p:tgtEl>
-                                          <p:spTgt spid="3">
-                                            <p:txEl>
-                                              <p:pRg st="9" end="9"/>
-                                            </p:txEl>
-                                          </p:spTgt>
-                                        </p:tgtEl>
-                                        <p:attrNameLst>
-                                          <p:attrName>ppt_y</p:attrName>
-                                        </p:attrNameLst>
-                                      </p:cBhvr>
-                                      <p:tavLst>
-                                        <p:tav tm="0">
-                                          <p:val>
-                                            <p:strVal val="1+#ppt_h/2"/>
-                                          </p:val>
-                                        </p:tav>
-                                        <p:tav tm="100000">
-                                          <p:val>
-                                            <p:strVal val="#ppt_y"/>
-                                          </p:val>
-                                        </p:tav>
-                                      </p:tavLst>
-                                    </p:anim>
-                                  </p:childTnLst>
-                                </p:cTn>
-                              </p:par>
-                            </p:childTnLst>
-                          </p:cTn>
-                        </p:par>
-                      </p:childTnLst>
-                    </p:cTn>
-                  </p:par>
-                  <p:par>
-                    <p:cTn id="63" fill="hold">
-                      <p:stCondLst>
-                        <p:cond delay="indefinite"/>
-                      </p:stCondLst>
-                      <p:childTnLst>
-                        <p:par>
-                          <p:cTn id="64" fill="hold">
-                            <p:stCondLst>
-                              <p:cond delay="0"/>
-                            </p:stCondLst>
-                            <p:childTnLst>
-                              <p:par>
-                                <p:cTn id="65" presetID="2" presetClass="entr" presetSubtype="4" fill="hold" nodeType="clickEffect">
-                                  <p:stCondLst>
-                                    <p:cond delay="0"/>
-                                  </p:stCondLst>
-                                  <p:childTnLst>
-                                    <p:set>
-                                      <p:cBhvr>
-                                        <p:cTn id="66" dur="1" fill="hold">
-                                          <p:stCondLst>
-                                            <p:cond delay="0"/>
-                                          </p:stCondLst>
-                                        </p:cTn>
-                                        <p:tgtEl>
-                                          <p:spTgt spid="3">
-                                            <p:txEl>
-                                              <p:pRg st="10" end="10"/>
-                                            </p:txEl>
-                                          </p:spTgt>
-                                        </p:tgtEl>
-                                        <p:attrNameLst>
-                                          <p:attrName>style.visibility</p:attrName>
-                                        </p:attrNameLst>
-                                      </p:cBhvr>
-                                      <p:to>
-                                        <p:strVal val="visible"/>
-                                      </p:to>
-                                    </p:set>
-                                    <p:anim calcmode="lin" valueType="num">
-                                      <p:cBhvr additive="base">
-                                        <p:cTn id="67" dur="500" fill="hold"/>
-                                        <p:tgtEl>
-                                          <p:spTgt spid="3">
-                                            <p:txEl>
-                                              <p:pRg st="10" end="10"/>
-                                            </p:txEl>
-                                          </p:spTgt>
-                                        </p:tgtEl>
-                                        <p:attrNameLst>
-                                          <p:attrName>ppt_x</p:attrName>
-                                        </p:attrNameLst>
-                                      </p:cBhvr>
-                                      <p:tavLst>
-                                        <p:tav tm="0">
-                                          <p:val>
-                                            <p:strVal val="#ppt_x"/>
-                                          </p:val>
-                                        </p:tav>
-                                        <p:tav tm="100000">
-                                          <p:val>
-                                            <p:strVal val="#ppt_x"/>
-                                          </p:val>
-                                        </p:tav>
-                                      </p:tavLst>
-                                    </p:anim>
-                                    <p:anim calcmode="lin" valueType="num">
-                                      <p:cBhvr additive="base">
-                                        <p:cTn id="68" dur="500" fill="hold"/>
-                                        <p:tgtEl>
-                                          <p:spTgt spid="3">
-                                            <p:txEl>
-                                              <p:pRg st="10" end="10"/>
-                                            </p:txEl>
-                                          </p:spTgt>
-                                        </p:tgtEl>
-                                        <p:attrNameLst>
-                                          <p:attrName>ppt_y</p:attrName>
-                                        </p:attrNameLst>
-                                      </p:cBhvr>
-                                      <p:tavLst>
-                                        <p:tav tm="0">
-                                          <p:val>
-                                            <p:strVal val="1+#ppt_h/2"/>
-                                          </p:val>
-                                        </p:tav>
-                                        <p:tav tm="100000">
-                                          <p:val>
-                                            <p:strVal val="#ppt_y"/>
-                                          </p:val>
-                                        </p:tav>
-                                      </p:tavLst>
-                                    </p:anim>
-                                  </p:childTnLst>
-                                </p:cTn>
-                              </p:par>
-                            </p:childTnLst>
-                          </p:cTn>
-                        </p:par>
-                      </p:childTnLst>
-                    </p:cTn>
-                  </p:par>
-                  <p:par>
-                    <p:cTn id="69" fill="hold">
-                      <p:stCondLst>
-                        <p:cond delay="indefinite"/>
-                      </p:stCondLst>
-                      <p:childTnLst>
-                        <p:par>
-                          <p:cTn id="70" fill="hold">
-                            <p:stCondLst>
-                              <p:cond delay="0"/>
-                            </p:stCondLst>
-                            <p:childTnLst>
-                              <p:par>
-                                <p:cTn id="71" presetID="2" presetClass="entr" presetSubtype="4" fill="hold" nodeType="clickEffect">
-                                  <p:stCondLst>
-                                    <p:cond delay="0"/>
-                                  </p:stCondLst>
-                                  <p:childTnLst>
-                                    <p:set>
-                                      <p:cBhvr>
-                                        <p:cTn id="72" dur="1" fill="hold">
-                                          <p:stCondLst>
-                                            <p:cond delay="0"/>
-                                          </p:stCondLst>
-                                        </p:cTn>
-                                        <p:tgtEl>
-                                          <p:spTgt spid="3">
-                                            <p:txEl>
-                                              <p:pRg st="11" end="11"/>
-                                            </p:txEl>
-                                          </p:spTgt>
-                                        </p:tgtEl>
-                                        <p:attrNameLst>
-                                          <p:attrName>style.visibility</p:attrName>
-                                        </p:attrNameLst>
-                                      </p:cBhvr>
-                                      <p:to>
-                                        <p:strVal val="visible"/>
-                                      </p:to>
-                                    </p:set>
-                                    <p:anim calcmode="lin" valueType="num">
-                                      <p:cBhvr additive="base">
-                                        <p:cTn id="73" dur="500" fill="hold"/>
-                                        <p:tgtEl>
-                                          <p:spTgt spid="3">
-                                            <p:txEl>
-                                              <p:pRg st="11" end="11"/>
-                                            </p:txEl>
-                                          </p:spTgt>
-                                        </p:tgtEl>
-                                        <p:attrNameLst>
-                                          <p:attrName>ppt_x</p:attrName>
-                                        </p:attrNameLst>
-                                      </p:cBhvr>
-                                      <p:tavLst>
-                                        <p:tav tm="0">
-                                          <p:val>
-                                            <p:strVal val="#ppt_x"/>
-                                          </p:val>
-                                        </p:tav>
-                                        <p:tav tm="100000">
-                                          <p:val>
-                                            <p:strVal val="#ppt_x"/>
-                                          </p:val>
-                                        </p:tav>
-                                      </p:tavLst>
-                                    </p:anim>
-                                    <p:anim calcmode="lin" valueType="num">
-                                      <p:cBhvr additive="base">
-                                        <p:cTn id="74" dur="500" fill="hold"/>
-                                        <p:tgtEl>
-                                          <p:spTgt spid="3">
-                                            <p:txEl>
-                                              <p:pRg st="11" end="11"/>
-                                            </p:txEl>
-                                          </p:spTgt>
-                                        </p:tgtEl>
-                                        <p:attrNameLst>
-                                          <p:attrName>ppt_y</p:attrName>
-                                        </p:attrNameLst>
-                                      </p:cBhvr>
-                                      <p:tavLst>
-                                        <p:tav tm="0">
-                                          <p:val>
-                                            <p:strVal val="1+#ppt_h/2"/>
-                                          </p:val>
-                                        </p:tav>
-                                        <p:tav tm="100000">
-                                          <p:val>
-                                            <p:strVal val="#ppt_y"/>
-                                          </p:val>
-                                        </p:tav>
-                                      </p:tavLst>
-                                    </p:anim>
-                                  </p:childTnLst>
-                                </p:cTn>
-                              </p:par>
-                            </p:childTnLst>
-                          </p:cTn>
-                        </p:par>
-                      </p:childTnLst>
-                    </p:cTn>
-                  </p:par>
-                  <p:par>
-                    <p:cTn id="75" fill="hold">
-                      <p:stCondLst>
-                        <p:cond delay="indefinite"/>
-                      </p:stCondLst>
-                      <p:childTnLst>
-                        <p:par>
-                          <p:cTn id="76" fill="hold">
-                            <p:stCondLst>
-                              <p:cond delay="0"/>
-                            </p:stCondLst>
-                            <p:childTnLst>
-                              <p:par>
-                                <p:cTn id="77" presetID="2" presetClass="entr" presetSubtype="4" fill="hold" nodeType="clickEffect">
-                                  <p:stCondLst>
-                                    <p:cond delay="0"/>
-                                  </p:stCondLst>
-                                  <p:childTnLst>
-                                    <p:set>
-                                      <p:cBhvr>
-                                        <p:cTn id="78" dur="1" fill="hold">
-                                          <p:stCondLst>
-                                            <p:cond delay="0"/>
-                                          </p:stCondLst>
-                                        </p:cTn>
-                                        <p:tgtEl>
-                                          <p:spTgt spid="3">
-                                            <p:txEl>
-                                              <p:pRg st="12" end="12"/>
-                                            </p:txEl>
-                                          </p:spTgt>
-                                        </p:tgtEl>
-                                        <p:attrNameLst>
-                                          <p:attrName>style.visibility</p:attrName>
-                                        </p:attrNameLst>
-                                      </p:cBhvr>
-                                      <p:to>
-                                        <p:strVal val="visible"/>
-                                      </p:to>
-                                    </p:set>
-                                    <p:anim calcmode="lin" valueType="num">
-                                      <p:cBhvr additive="base">
-                                        <p:cTn id="79" dur="500" fill="hold"/>
-                                        <p:tgtEl>
-                                          <p:spTgt spid="3">
-                                            <p:txEl>
-                                              <p:pRg st="12" end="12"/>
-                                            </p:txEl>
-                                          </p:spTgt>
-                                        </p:tgtEl>
-                                        <p:attrNameLst>
-                                          <p:attrName>ppt_x</p:attrName>
-                                        </p:attrNameLst>
-                                      </p:cBhvr>
-                                      <p:tavLst>
-                                        <p:tav tm="0">
-                                          <p:val>
-                                            <p:strVal val="#ppt_x"/>
-                                          </p:val>
-                                        </p:tav>
-                                        <p:tav tm="100000">
-                                          <p:val>
-                                            <p:strVal val="#ppt_x"/>
-                                          </p:val>
-                                        </p:tav>
-                                      </p:tavLst>
-                                    </p:anim>
-                                    <p:anim calcmode="lin" valueType="num">
-                                      <p:cBhvr additive="base">
-                                        <p:cTn id="80" dur="500" fill="hold"/>
-                                        <p:tgtEl>
-                                          <p:spTgt spid="3">
-                                            <p:txEl>
-                                              <p:pRg st="12" end="12"/>
-                                            </p:txEl>
-                                          </p:spTgt>
-                                        </p:tgtEl>
-                                        <p:attrNameLst>
-                                          <p:attrName>ppt_y</p:attrName>
-                                        </p:attrNameLst>
-                                      </p:cBhvr>
-                                      <p:tavLst>
-                                        <p:tav tm="0">
-                                          <p:val>
-                                            <p:strVal val="1+#ppt_h/2"/>
-                                          </p:val>
-                                        </p:tav>
-                                        <p:tav tm="100000">
-                                          <p:val>
-                                            <p:strVal val="#ppt_y"/>
-                                          </p:val>
-                                        </p:tav>
-                                      </p:tavLst>
-                                    </p:anim>
-                                  </p:childTnLst>
-                                </p:cTn>
-                              </p:par>
-                            </p:childTnLst>
-                          </p:cTn>
-                        </p:par>
-                      </p:childTnLst>
-                    </p:cTn>
-                  </p:par>
-                  <p:par>
-                    <p:cTn id="81" fill="hold">
-                      <p:stCondLst>
-                        <p:cond delay="indefinite"/>
-                      </p:stCondLst>
-                      <p:childTnLst>
-                        <p:par>
-                          <p:cTn id="82" fill="hold">
-                            <p:stCondLst>
-                              <p:cond delay="0"/>
-                            </p:stCondLst>
-                            <p:childTnLst>
-                              <p:par>
-                                <p:cTn id="83" presetID="2" presetClass="entr" presetSubtype="4" fill="hold" nodeType="clickEffect">
-                                  <p:stCondLst>
-                                    <p:cond delay="0"/>
-                                  </p:stCondLst>
-                                  <p:childTnLst>
-                                    <p:set>
-                                      <p:cBhvr>
-                                        <p:cTn id="84" dur="1" fill="hold">
-                                          <p:stCondLst>
-                                            <p:cond delay="0"/>
-                                          </p:stCondLst>
-                                        </p:cTn>
-                                        <p:tgtEl>
-                                          <p:spTgt spid="3">
-                                            <p:txEl>
-                                              <p:pRg st="13" end="13"/>
-                                            </p:txEl>
-                                          </p:spTgt>
-                                        </p:tgtEl>
-                                        <p:attrNameLst>
-                                          <p:attrName>style.visibility</p:attrName>
-                                        </p:attrNameLst>
-                                      </p:cBhvr>
-                                      <p:to>
-                                        <p:strVal val="visible"/>
-                                      </p:to>
-                                    </p:set>
-                                    <p:anim calcmode="lin" valueType="num">
-                                      <p:cBhvr additive="base">
-                                        <p:cTn id="85" dur="500" fill="hold"/>
-                                        <p:tgtEl>
-                                          <p:spTgt spid="3">
-                                            <p:txEl>
-                                              <p:pRg st="13" end="13"/>
-                                            </p:txEl>
-                                          </p:spTgt>
-                                        </p:tgtEl>
-                                        <p:attrNameLst>
-                                          <p:attrName>ppt_x</p:attrName>
-                                        </p:attrNameLst>
-                                      </p:cBhvr>
-                                      <p:tavLst>
-                                        <p:tav tm="0">
-                                          <p:val>
-                                            <p:strVal val="#ppt_x"/>
-                                          </p:val>
-                                        </p:tav>
-                                        <p:tav tm="100000">
-                                          <p:val>
-                                            <p:strVal val="#ppt_x"/>
-                                          </p:val>
-                                        </p:tav>
-                                      </p:tavLst>
-                                    </p:anim>
-                                    <p:anim calcmode="lin" valueType="num">
-                                      <p:cBhvr additive="base">
-                                        <p:cTn id="86" dur="500" fill="hold"/>
-                                        <p:tgtEl>
-                                          <p:spTgt spid="3">
-                                            <p:txEl>
-                                              <p:pRg st="13" end="13"/>
-                                            </p:txEl>
-                                          </p:spTgt>
-                                        </p:tgtEl>
-                                        <p:attrNameLst>
-                                          <p:attrName>ppt_y</p:attrName>
-                                        </p:attrNameLst>
-                                      </p:cBhvr>
-                                      <p:tavLst>
-                                        <p:tav tm="0">
-                                          <p:val>
-                                            <p:strVal val="1+#ppt_h/2"/>
-                                          </p:val>
-                                        </p:tav>
-                                        <p:tav tm="100000">
-                                          <p:val>
-                                            <p:strVal val="#ppt_y"/>
-                                          </p:val>
-                                        </p:tav>
-                                      </p:tavLst>
-                                    </p:anim>
-                                  </p:childTnLst>
-                                </p:cTn>
-                              </p:par>
-                            </p:childTnLst>
-                          </p:cTn>
-                        </p:par>
-                      </p:childTnLst>
-                    </p:cTn>
-                  </p:par>
-                  <p:par>
-                    <p:cTn id="87" fill="hold">
-                      <p:stCondLst>
-                        <p:cond delay="indefinite"/>
-                      </p:stCondLst>
-                      <p:childTnLst>
-                        <p:par>
-                          <p:cTn id="88" fill="hold">
-                            <p:stCondLst>
-                              <p:cond delay="0"/>
-                            </p:stCondLst>
-                            <p:childTnLst>
-                              <p:par>
-                                <p:cTn id="89" presetID="2" presetClass="entr" presetSubtype="4" fill="hold" nodeType="clickEffect">
-                                  <p:stCondLst>
-                                    <p:cond delay="0"/>
-                                  </p:stCondLst>
-                                  <p:childTnLst>
-                                    <p:set>
-                                      <p:cBhvr>
-                                        <p:cTn id="90" dur="1" fill="hold">
-                                          <p:stCondLst>
-                                            <p:cond delay="0"/>
-                                          </p:stCondLst>
-                                        </p:cTn>
-                                        <p:tgtEl>
-                                          <p:spTgt spid="3">
-                                            <p:txEl>
-                                              <p:pRg st="14" end="14"/>
-                                            </p:txEl>
-                                          </p:spTgt>
-                                        </p:tgtEl>
-                                        <p:attrNameLst>
-                                          <p:attrName>style.visibility</p:attrName>
-                                        </p:attrNameLst>
-                                      </p:cBhvr>
-                                      <p:to>
-                                        <p:strVal val="visible"/>
-                                      </p:to>
-                                    </p:set>
-                                    <p:anim calcmode="lin" valueType="num">
-                                      <p:cBhvr additive="base">
-                                        <p:cTn id="91" dur="500" fill="hold"/>
-                                        <p:tgtEl>
-                                          <p:spTgt spid="3">
-                                            <p:txEl>
-                                              <p:pRg st="14" end="14"/>
-                                            </p:txEl>
-                                          </p:spTgt>
-                                        </p:tgtEl>
-                                        <p:attrNameLst>
-                                          <p:attrName>ppt_x</p:attrName>
-                                        </p:attrNameLst>
-                                      </p:cBhvr>
-                                      <p:tavLst>
-                                        <p:tav tm="0">
-                                          <p:val>
-                                            <p:strVal val="#ppt_x"/>
-                                          </p:val>
-                                        </p:tav>
-                                        <p:tav tm="100000">
-                                          <p:val>
-                                            <p:strVal val="#ppt_x"/>
-                                          </p:val>
-                                        </p:tav>
-                                      </p:tavLst>
-                                    </p:anim>
-                                    <p:anim calcmode="lin" valueType="num">
-                                      <p:cBhvr additive="base">
-                                        <p:cTn id="92" dur="500" fill="hold"/>
-                                        <p:tgtEl>
-                                          <p:spTgt spid="3">
-                                            <p:txEl>
-                                              <p:pRg st="14" end="14"/>
-                                            </p:txEl>
-                                          </p:spTgt>
-                                        </p:tgtEl>
-                                        <p:attrNameLst>
-                                          <p:attrName>ppt_y</p:attrName>
-                                        </p:attrNameLst>
-                                      </p:cBhvr>
-                                      <p:tavLst>
-                                        <p:tav tm="0">
-                                          <p:val>
-                                            <p:strVal val="1+#ppt_h/2"/>
-                                          </p:val>
-                                        </p:tav>
-                                        <p:tav tm="100000">
-                                          <p:val>
-                                            <p:strVal val="#ppt_y"/>
-                                          </p:val>
-                                        </p:tav>
-                                      </p:tavLst>
-                                    </p:anim>
-                                  </p:childTnLst>
-                                </p:cTn>
-                              </p:par>
-                            </p:childTnLst>
-                          </p:cTn>
-                        </p:par>
-                      </p:childTnLst>
-                    </p:cTn>
-                  </p:par>
-                  <p:par>
-                    <p:cTn id="93" fill="hold">
-                      <p:stCondLst>
-                        <p:cond delay="indefinite"/>
-                      </p:stCondLst>
-                      <p:childTnLst>
-                        <p:par>
-                          <p:cTn id="94" fill="hold">
-                            <p:stCondLst>
-                              <p:cond delay="0"/>
-                            </p:stCondLst>
-                            <p:childTnLst>
-                              <p:par>
-                                <p:cTn id="95" presetID="2" presetClass="entr" presetSubtype="4" fill="hold" nodeType="clickEffect">
-                                  <p:stCondLst>
-                                    <p:cond delay="0"/>
-                                  </p:stCondLst>
-                                  <p:childTnLst>
-                                    <p:set>
-                                      <p:cBhvr>
-                                        <p:cTn id="96" dur="1" fill="hold">
-                                          <p:stCondLst>
-                                            <p:cond delay="0"/>
-                                          </p:stCondLst>
-                                        </p:cTn>
-                                        <p:tgtEl>
-                                          <p:spTgt spid="3">
-                                            <p:txEl>
-                                              <p:pRg st="15" end="15"/>
-                                            </p:txEl>
-                                          </p:spTgt>
-                                        </p:tgtEl>
-                                        <p:attrNameLst>
-                                          <p:attrName>style.visibility</p:attrName>
-                                        </p:attrNameLst>
-                                      </p:cBhvr>
-                                      <p:to>
-                                        <p:strVal val="visible"/>
-                                      </p:to>
-                                    </p:set>
-                                    <p:anim calcmode="lin" valueType="num">
-                                      <p:cBhvr additive="base">
-                                        <p:cTn id="97" dur="500" fill="hold"/>
-                                        <p:tgtEl>
-                                          <p:spTgt spid="3">
-                                            <p:txEl>
-                                              <p:pRg st="15" end="15"/>
-                                            </p:txEl>
-                                          </p:spTgt>
-                                        </p:tgtEl>
-                                        <p:attrNameLst>
-                                          <p:attrName>ppt_x</p:attrName>
-                                        </p:attrNameLst>
-                                      </p:cBhvr>
-                                      <p:tavLst>
-                                        <p:tav tm="0">
-                                          <p:val>
-                                            <p:strVal val="#ppt_x"/>
-                                          </p:val>
-                                        </p:tav>
-                                        <p:tav tm="100000">
-                                          <p:val>
-                                            <p:strVal val="#ppt_x"/>
-                                          </p:val>
-                                        </p:tav>
-                                      </p:tavLst>
-                                    </p:anim>
-                                    <p:anim calcmode="lin" valueType="num">
-                                      <p:cBhvr additive="base">
-                                        <p:cTn id="98" dur="500" fill="hold"/>
-                                        <p:tgtEl>
-                                          <p:spTgt spid="3">
-                                            <p:txEl>
-                                              <p:pRg st="15" end="15"/>
-                                            </p:txEl>
-                                          </p:spTgt>
-                                        </p:tgtEl>
-                                        <p:attrNameLst>
-                                          <p:attrName>ppt_y</p:attrName>
-                                        </p:attrNameLst>
-                                      </p:cBhvr>
-                                      <p:tavLst>
-                                        <p:tav tm="0">
-                                          <p:val>
-                                            <p:strVal val="1+#ppt_h/2"/>
-                                          </p:val>
-                                        </p:tav>
-                                        <p:tav tm="100000">
-                                          <p:val>
-                                            <p:strVal val="#ppt_y"/>
-                                          </p:val>
-                                        </p:tav>
-                                      </p:tavLst>
-                                    </p:anim>
-                                  </p:childTnLst>
-                                </p:cTn>
-                              </p:par>
-                            </p:childTnLst>
-                          </p:cTn>
-                        </p:par>
-                      </p:childTnLst>
-                    </p:cTn>
-                  </p:par>
-                  <p:par>
-                    <p:cTn id="99" fill="hold">
-                      <p:stCondLst>
-                        <p:cond delay="indefinite"/>
-                      </p:stCondLst>
-                      <p:childTnLst>
-                        <p:par>
-                          <p:cTn id="100" fill="hold">
-                            <p:stCondLst>
-                              <p:cond delay="0"/>
-                            </p:stCondLst>
-                            <p:childTnLst>
-                              <p:par>
-                                <p:cTn id="101" presetID="2" presetClass="entr" presetSubtype="4" fill="hold" nodeType="clickEffect">
-                                  <p:stCondLst>
-                                    <p:cond delay="0"/>
-                                  </p:stCondLst>
-                                  <p:childTnLst>
-                                    <p:set>
-                                      <p:cBhvr>
-                                        <p:cTn id="102" dur="1" fill="hold">
-                                          <p:stCondLst>
-                                            <p:cond delay="0"/>
-                                          </p:stCondLst>
-                                        </p:cTn>
-                                        <p:tgtEl>
-                                          <p:spTgt spid="3">
-                                            <p:txEl>
-                                              <p:pRg st="16" end="16"/>
-                                            </p:txEl>
-                                          </p:spTgt>
-                                        </p:tgtEl>
-                                        <p:attrNameLst>
-                                          <p:attrName>style.visibility</p:attrName>
-                                        </p:attrNameLst>
-                                      </p:cBhvr>
-                                      <p:to>
-                                        <p:strVal val="visible"/>
-                                      </p:to>
-                                    </p:set>
-                                    <p:anim calcmode="lin" valueType="num">
-                                      <p:cBhvr additive="base">
-                                        <p:cTn id="103" dur="500" fill="hold"/>
-                                        <p:tgtEl>
-                                          <p:spTgt spid="3">
-                                            <p:txEl>
-                                              <p:pRg st="16" end="16"/>
-                                            </p:txEl>
-                                          </p:spTgt>
-                                        </p:tgtEl>
-                                        <p:attrNameLst>
-                                          <p:attrName>ppt_x</p:attrName>
-                                        </p:attrNameLst>
-                                      </p:cBhvr>
-                                      <p:tavLst>
-                                        <p:tav tm="0">
-                                          <p:val>
-                                            <p:strVal val="#ppt_x"/>
-                                          </p:val>
-                                        </p:tav>
-                                        <p:tav tm="100000">
-                                          <p:val>
-                                            <p:strVal val="#ppt_x"/>
-                                          </p:val>
-                                        </p:tav>
-                                      </p:tavLst>
-                                    </p:anim>
-                                    <p:anim calcmode="lin" valueType="num">
-                                      <p:cBhvr additive="base">
-                                        <p:cTn id="104" dur="500" fill="hold"/>
-                                        <p:tgtEl>
-                                          <p:spTgt spid="3">
-                                            <p:txEl>
-                                              <p:pRg st="16" end="16"/>
-                                            </p:txEl>
-                                          </p:spTgt>
-                                        </p:tgtEl>
-                                        <p:attrNameLst>
-                                          <p:attrName>ppt_y</p:attrName>
-                                        </p:attrNameLst>
-                                      </p:cBhvr>
-                                      <p:tavLst>
-                                        <p:tav tm="0">
-                                          <p:val>
-                                            <p:strVal val="1+#ppt_h/2"/>
-                                          </p:val>
-                                        </p:tav>
-                                        <p:tav tm="100000">
-                                          <p:val>
-                                            <p:strVal val="#ppt_y"/>
-                                          </p:val>
-                                        </p:tav>
-                                      </p:tavLst>
-                                    </p:anim>
-                                  </p:childTnLst>
-                                </p:cTn>
-                              </p:par>
-                            </p:childTnLst>
-                          </p:cTn>
-                        </p:par>
-                      </p:childTnLst>
-                    </p:cTn>
-                  </p:par>
-                  <p:par>
-                    <p:cTn id="105" fill="hold">
-                      <p:stCondLst>
-                        <p:cond delay="indefinite"/>
-                      </p:stCondLst>
-                      <p:childTnLst>
-                        <p:par>
-                          <p:cTn id="106" fill="hold">
-                            <p:stCondLst>
-                              <p:cond delay="0"/>
-                            </p:stCondLst>
-                            <p:childTnLst>
-                              <p:par>
-                                <p:cTn id="107" presetID="2" presetClass="entr" presetSubtype="4" fill="hold" nodeType="clickEffect">
-                                  <p:stCondLst>
-                                    <p:cond delay="0"/>
-                                  </p:stCondLst>
-                                  <p:childTnLst>
-                                    <p:set>
-                                      <p:cBhvr>
-                                        <p:cTn id="108" dur="1" fill="hold">
-                                          <p:stCondLst>
-                                            <p:cond delay="0"/>
-                                          </p:stCondLst>
-                                        </p:cTn>
-                                        <p:tgtEl>
-                                          <p:spTgt spid="3">
-                                            <p:txEl>
-                                              <p:pRg st="17" end="17"/>
-                                            </p:txEl>
-                                          </p:spTgt>
-                                        </p:tgtEl>
-                                        <p:attrNameLst>
-                                          <p:attrName>style.visibility</p:attrName>
-                                        </p:attrNameLst>
-                                      </p:cBhvr>
-                                      <p:to>
-                                        <p:strVal val="visible"/>
-                                      </p:to>
-                                    </p:set>
-                                    <p:anim calcmode="lin" valueType="num">
-                                      <p:cBhvr additive="base">
-                                        <p:cTn id="109" dur="500" fill="hold"/>
-                                        <p:tgtEl>
-                                          <p:spTgt spid="3">
-                                            <p:txEl>
-                                              <p:pRg st="17" end="17"/>
-                                            </p:txEl>
-                                          </p:spTgt>
-                                        </p:tgtEl>
-                                        <p:attrNameLst>
-                                          <p:attrName>ppt_x</p:attrName>
-                                        </p:attrNameLst>
-                                      </p:cBhvr>
-                                      <p:tavLst>
-                                        <p:tav tm="0">
-                                          <p:val>
-                                            <p:strVal val="#ppt_x"/>
-                                          </p:val>
-                                        </p:tav>
-                                        <p:tav tm="100000">
-                                          <p:val>
-                                            <p:strVal val="#ppt_x"/>
-                                          </p:val>
-                                        </p:tav>
-                                      </p:tavLst>
-                                    </p:anim>
-                                    <p:anim calcmode="lin" valueType="num">
-                                      <p:cBhvr additive="base">
-                                        <p:cTn id="110" dur="500" fill="hold"/>
-                                        <p:tgtEl>
-                                          <p:spTgt spid="3">
-                                            <p:txEl>
-                                              <p:pRg st="17" end="17"/>
-                                            </p:txEl>
-                                          </p:spTgt>
-                                        </p:tgtEl>
-                                        <p:attrNameLst>
-                                          <p:attrName>ppt_y</p:attrName>
-                                        </p:attrNameLst>
-                                      </p:cBhvr>
-                                      <p:tavLst>
-                                        <p:tav tm="0">
-                                          <p:val>
-                                            <p:strVal val="1+#ppt_h/2"/>
-                                          </p:val>
-                                        </p:tav>
-                                        <p:tav tm="100000">
-                                          <p:val>
-                                            <p:strVal val="#ppt_y"/>
-                                          </p:val>
-                                        </p:tav>
-                                      </p:tavLst>
-                                    </p:anim>
-                                  </p:childTnLst>
-                                </p:cTn>
-                              </p:par>
-                            </p:childTnLst>
-                          </p:cTn>
-                        </p:par>
-                      </p:childTnLst>
-                    </p:cTn>
-                  </p:par>
-                  <p:par>
-                    <p:cTn id="111" fill="hold">
-                      <p:stCondLst>
-                        <p:cond delay="indefinite"/>
-                      </p:stCondLst>
-                      <p:childTnLst>
-                        <p:par>
-                          <p:cTn id="112" fill="hold">
-                            <p:stCondLst>
-                              <p:cond delay="0"/>
-                            </p:stCondLst>
-                            <p:childTnLst>
-                              <p:par>
-                                <p:cTn id="113" presetID="2" presetClass="entr" presetSubtype="4" fill="hold" nodeType="clickEffect">
-                                  <p:stCondLst>
-                                    <p:cond delay="0"/>
-                                  </p:stCondLst>
-                                  <p:childTnLst>
-                                    <p:set>
-                                      <p:cBhvr>
-                                        <p:cTn id="114" dur="1" fill="hold">
-                                          <p:stCondLst>
-                                            <p:cond delay="0"/>
-                                          </p:stCondLst>
-                                        </p:cTn>
-                                        <p:tgtEl>
-                                          <p:spTgt spid="3">
-                                            <p:txEl>
-                                              <p:pRg st="18" end="18"/>
-                                            </p:txEl>
-                                          </p:spTgt>
-                                        </p:tgtEl>
-                                        <p:attrNameLst>
-                                          <p:attrName>style.visibility</p:attrName>
-                                        </p:attrNameLst>
-                                      </p:cBhvr>
-                                      <p:to>
-                                        <p:strVal val="visible"/>
-                                      </p:to>
-                                    </p:set>
-                                    <p:anim calcmode="lin" valueType="num">
-                                      <p:cBhvr additive="base">
-                                        <p:cTn id="115" dur="500" fill="hold"/>
-                                        <p:tgtEl>
-                                          <p:spTgt spid="3">
-                                            <p:txEl>
-                                              <p:pRg st="18" end="18"/>
-                                            </p:txEl>
-                                          </p:spTgt>
-                                        </p:tgtEl>
-                                        <p:attrNameLst>
-                                          <p:attrName>ppt_x</p:attrName>
-                                        </p:attrNameLst>
-                                      </p:cBhvr>
-                                      <p:tavLst>
-                                        <p:tav tm="0">
-                                          <p:val>
-                                            <p:strVal val="#ppt_x"/>
-                                          </p:val>
-                                        </p:tav>
-                                        <p:tav tm="100000">
-                                          <p:val>
-                                            <p:strVal val="#ppt_x"/>
-                                          </p:val>
-                                        </p:tav>
-                                      </p:tavLst>
-                                    </p:anim>
-                                    <p:anim calcmode="lin" valueType="num">
-                                      <p:cBhvr additive="base">
-                                        <p:cTn id="116" dur="500" fill="hold"/>
-                                        <p:tgtEl>
-                                          <p:spTgt spid="3">
-                                            <p:txEl>
-                                              <p:pRg st="18" end="18"/>
-                                            </p:txEl>
-                                          </p:spTgt>
-                                        </p:tgtEl>
-                                        <p:attrNameLst>
-                                          <p:attrName>ppt_y</p:attrName>
-                                        </p:attrNameLst>
-                                      </p:cBhvr>
-                                      <p:tavLst>
-                                        <p:tav tm="0">
-                                          <p:val>
-                                            <p:strVal val="1+#ppt_h/2"/>
-                                          </p:val>
-                                        </p:tav>
-                                        <p:tav tm="100000">
-                                          <p:val>
-                                            <p:strVal val="#ppt_y"/>
-                                          </p:val>
-                                        </p:tav>
-                                      </p:tavLst>
-                                    </p:anim>
-                                  </p:childTnLst>
-                                </p:cTn>
-                              </p:par>
-                            </p:childTnLst>
-                          </p:cTn>
-                        </p:par>
-                      </p:childTnLst>
-                    </p:cTn>
-                  </p:par>
                 </p:childTnLst>
               </p:cTn>
               <p:prevCondLst>
@@ -6545,6 +5298,214 @@
           <a:chExt cx="0" cy="0"/>
         </a:xfrm>
       </p:grpSpPr>
+      <p:sp>
+        <p:nvSpPr>
+          <p:cNvPr id="2" name="Title 1">
+            <a:extLst>
+              <a:ext uri="{FF2B5EF4-FFF2-40B4-BE49-F238E27FC236}">
+                <a16:creationId xmlns:a16="http://schemas.microsoft.com/office/drawing/2014/main" id="{44EAF95D-CA90-4AC1-A599-41E3CCDABCF8}"/>
+              </a:ext>
+            </a:extLst>
+          </p:cNvPr>
+          <p:cNvSpPr>
+            <a:spLocks noGrp="1"/>
+          </p:cNvSpPr>
+          <p:nvPr>
+            <p:ph type="title"/>
+          </p:nvPr>
+        </p:nvSpPr>
+        <p:spPr/>
+        <p:txBody>
+          <a:bodyPr/>
+          <a:lstStyle/>
+          <a:p>
+            <a:r>
+              <a:rPr lang="zh-CN" altLang="en-US" dirty="0">
+                <a:latin typeface="Microsoft YaHei" panose="020B0503020204020204" pitchFamily="34" charset="-122"/>
+                <a:ea typeface="Microsoft YaHei" panose="020B0503020204020204" pitchFamily="34" charset="-122"/>
+              </a:rPr>
+              <a:t>学习</a:t>
+            </a:r>
+            <a:r>
+              <a:rPr lang="en-US" altLang="zh-CN" dirty="0">
+                <a:latin typeface="Microsoft YaHei" panose="020B0503020204020204" pitchFamily="34" charset="-122"/>
+                <a:ea typeface="Microsoft YaHei" panose="020B0503020204020204" pitchFamily="34" charset="-122"/>
+              </a:rPr>
+              <a:t>OpenGL ES</a:t>
+            </a:r>
+            <a:r>
+              <a:rPr lang="zh-CN" altLang="en-US" dirty="0">
+                <a:latin typeface="Microsoft YaHei" panose="020B0503020204020204" pitchFamily="34" charset="-122"/>
+                <a:ea typeface="Microsoft YaHei" panose="020B0503020204020204" pitchFamily="34" charset="-122"/>
+              </a:rPr>
+              <a:t>的目的</a:t>
+            </a:r>
+            <a:r>
+              <a:rPr lang="en-US" altLang="zh-CN" dirty="0">
+                <a:latin typeface="Microsoft YaHei" panose="020B0503020204020204" pitchFamily="34" charset="-122"/>
+                <a:ea typeface="Microsoft YaHei" panose="020B0503020204020204" pitchFamily="34" charset="-122"/>
+              </a:rPr>
+              <a:t>(2)</a:t>
+            </a:r>
+            <a:endParaRPr lang="en-US" dirty="0"/>
+          </a:p>
+        </p:txBody>
+      </p:sp>
+      <p:sp>
+        <p:nvSpPr>
+          <p:cNvPr id="3" name="Content Placeholder 2">
+            <a:extLst>
+              <a:ext uri="{FF2B5EF4-FFF2-40B4-BE49-F238E27FC236}">
+                <a16:creationId xmlns:a16="http://schemas.microsoft.com/office/drawing/2014/main" id="{6B6058AE-857B-4AAD-B540-23EFC47B44D0}"/>
+              </a:ext>
+            </a:extLst>
+          </p:cNvPr>
+          <p:cNvSpPr>
+            <a:spLocks noGrp="1"/>
+          </p:cNvSpPr>
+          <p:nvPr>
+            <p:ph idx="1"/>
+          </p:nvPr>
+        </p:nvSpPr>
+        <p:spPr/>
+        <p:txBody>
+          <a:bodyPr/>
+          <a:lstStyle/>
+          <a:p>
+            <a:r>
+              <a:rPr lang="en-US" dirty="0">
+                <a:latin typeface="Microsoft YaHei" panose="020B0503020204020204" pitchFamily="34" charset="-122"/>
+                <a:ea typeface="Microsoft YaHei" panose="020B0503020204020204" pitchFamily="34" charset="-122"/>
+              </a:rPr>
+              <a:t>21</a:t>
+            </a:r>
+            <a:r>
+              <a:rPr lang="zh-CN" altLang="en-US" dirty="0">
+                <a:latin typeface="Microsoft YaHei" panose="020B0503020204020204" pitchFamily="34" charset="-122"/>
+                <a:ea typeface="Microsoft YaHei" panose="020B0503020204020204" pitchFamily="34" charset="-122"/>
+              </a:rPr>
+              <a:t>世纪什么最赚钱？</a:t>
+            </a:r>
+            <a:endParaRPr lang="en-US" altLang="zh-CN" dirty="0">
+              <a:latin typeface="Microsoft YaHei" panose="020B0503020204020204" pitchFamily="34" charset="-122"/>
+              <a:ea typeface="Microsoft YaHei" panose="020B0503020204020204" pitchFamily="34" charset="-122"/>
+            </a:endParaRPr>
+          </a:p>
+          <a:p>
+            <a:pPr lvl="1"/>
+            <a:r>
+              <a:rPr lang="zh-CN" altLang="en-US" dirty="0">
+                <a:latin typeface="Microsoft YaHei" panose="020B0503020204020204" pitchFamily="34" charset="-122"/>
+                <a:ea typeface="Microsoft YaHei" panose="020B0503020204020204" pitchFamily="34" charset="-122"/>
+              </a:rPr>
+              <a:t>游戏 </a:t>
+            </a:r>
+            <a:r>
+              <a:rPr lang="en-US" altLang="zh-CN" dirty="0">
+                <a:latin typeface="Microsoft YaHei" panose="020B0503020204020204" pitchFamily="34" charset="-122"/>
+                <a:ea typeface="Microsoft YaHei" panose="020B0503020204020204" pitchFamily="34" charset="-122"/>
+              </a:rPr>
+              <a:t>(</a:t>
+            </a:r>
+            <a:r>
+              <a:rPr lang="zh-CN" altLang="en-US" dirty="0">
+                <a:latin typeface="Microsoft YaHei" panose="020B0503020204020204" pitchFamily="34" charset="-122"/>
+                <a:ea typeface="Microsoft YaHei" panose="020B0503020204020204" pitchFamily="34" charset="-122"/>
+              </a:rPr>
+              <a:t>腾讯王者荣耀</a:t>
+            </a:r>
+            <a:r>
+              <a:rPr lang="en-US" altLang="zh-CN" dirty="0">
+                <a:latin typeface="Microsoft YaHei" panose="020B0503020204020204" pitchFamily="34" charset="-122"/>
+                <a:ea typeface="Microsoft YaHei" panose="020B0503020204020204" pitchFamily="34" charset="-122"/>
+              </a:rPr>
+              <a:t>)</a:t>
+            </a:r>
+          </a:p>
+          <a:p>
+            <a:pPr lvl="1"/>
+            <a:r>
+              <a:rPr lang="zh-CN" altLang="en-US" dirty="0">
+                <a:latin typeface="Microsoft YaHei" panose="020B0503020204020204" pitchFamily="34" charset="-122"/>
+                <a:ea typeface="Microsoft YaHei" panose="020B0503020204020204" pitchFamily="34" charset="-122"/>
+              </a:rPr>
+              <a:t>人工智能</a:t>
+            </a:r>
+            <a:r>
+              <a:rPr lang="en-US" altLang="zh-CN" dirty="0">
+                <a:latin typeface="Microsoft YaHei" panose="020B0503020204020204" pitchFamily="34" charset="-122"/>
+                <a:ea typeface="Microsoft YaHei" panose="020B0503020204020204" pitchFamily="34" charset="-122"/>
+              </a:rPr>
+              <a:t>,</a:t>
+            </a:r>
+            <a:r>
+              <a:rPr lang="zh-CN" altLang="en-US" dirty="0">
+                <a:latin typeface="Microsoft YaHei" panose="020B0503020204020204" pitchFamily="34" charset="-122"/>
+                <a:ea typeface="Microsoft YaHei" panose="020B0503020204020204" pitchFamily="34" charset="-122"/>
+              </a:rPr>
+              <a:t>深度学习</a:t>
+            </a:r>
+            <a:endParaRPr lang="en-US" altLang="zh-CN" dirty="0">
+              <a:latin typeface="Microsoft YaHei" panose="020B0503020204020204" pitchFamily="34" charset="-122"/>
+              <a:ea typeface="Microsoft YaHei" panose="020B0503020204020204" pitchFamily="34" charset="-122"/>
+            </a:endParaRPr>
+          </a:p>
+          <a:p>
+            <a:pPr lvl="1"/>
+            <a:r>
+              <a:rPr lang="en-US" altLang="zh-CN" dirty="0">
+                <a:latin typeface="Microsoft YaHei" panose="020B0503020204020204" pitchFamily="34" charset="-122"/>
+                <a:ea typeface="Microsoft YaHei" panose="020B0503020204020204" pitchFamily="34" charset="-122"/>
+              </a:rPr>
+              <a:t>Bitcoin</a:t>
+            </a:r>
+            <a:r>
+              <a:rPr lang="zh-CN" altLang="en-US" dirty="0">
+                <a:latin typeface="Microsoft YaHei" panose="020B0503020204020204" pitchFamily="34" charset="-122"/>
+                <a:ea typeface="Microsoft YaHei" panose="020B0503020204020204" pitchFamily="34" charset="-122"/>
+              </a:rPr>
+              <a:t>挖矿</a:t>
+            </a:r>
+            <a:endParaRPr lang="en-US" altLang="zh-CN" dirty="0">
+              <a:latin typeface="Microsoft YaHei" panose="020B0503020204020204" pitchFamily="34" charset="-122"/>
+              <a:ea typeface="Microsoft YaHei" panose="020B0503020204020204" pitchFamily="34" charset="-122"/>
+            </a:endParaRPr>
+          </a:p>
+          <a:p>
+            <a:endParaRPr lang="en-US" dirty="0"/>
+          </a:p>
+        </p:txBody>
+      </p:sp>
+    </p:spTree>
+    <p:extLst>
+      <p:ext uri="{BB962C8B-B14F-4D97-AF65-F5344CB8AC3E}">
+        <p14:creationId xmlns:p14="http://schemas.microsoft.com/office/powerpoint/2010/main" val="1539864131"/>
+      </p:ext>
+    </p:extLst>
+  </p:cSld>
+  <p:clrMapOvr>
+    <a:masterClrMapping/>
+  </p:clrMapOvr>
+</p:sld>
+</file>
+
+<file path=ppt/slides/slide4.xml><?xml version="1.0" encoding="utf-8"?>
+<p:sld xmlns:a="http://schemas.openxmlformats.org/drawingml/2006/main" xmlns:r="http://schemas.openxmlformats.org/officeDocument/2006/relationships" xmlns:p="http://schemas.openxmlformats.org/presentationml/2006/main">
+  <p:cSld>
+    <p:spTree>
+      <p:nvGrpSpPr>
+        <p:cNvPr id="1" name=""/>
+        <p:cNvGrpSpPr/>
+        <p:nvPr/>
+      </p:nvGrpSpPr>
+      <p:grpSpPr>
+        <a:xfrm>
+          <a:off x="0" y="0"/>
+          <a:ext cx="0" cy="0"/>
+          <a:chOff x="0" y="0"/>
+          <a:chExt cx="0" cy="0"/>
+        </a:xfrm>
+      </p:grpSpPr>
       <p:pic>
         <p:nvPicPr>
           <p:cNvPr id="8" name="Picture 7">
@@ -6657,14 +5618,23 @@
           <a:lstStyle/>
           <a:p>
             <a:r>
-              <a:rPr lang="zh-CN" altLang="en-US" dirty="0"/>
+              <a:rPr lang="zh-CN" altLang="en-US" dirty="0">
+                <a:latin typeface="Microsoft YaHei" panose="020B0503020204020204" pitchFamily="34" charset="-122"/>
+                <a:ea typeface="Microsoft YaHei" panose="020B0503020204020204" pitchFamily="34" charset="-122"/>
+              </a:rPr>
               <a:t>本门课程概览</a:t>
             </a:r>
             <a:r>
-              <a:rPr lang="en-US" altLang="zh-CN" dirty="0"/>
+              <a:rPr lang="en-US" altLang="zh-CN" dirty="0">
+                <a:latin typeface="Microsoft YaHei" panose="020B0503020204020204" pitchFamily="34" charset="-122"/>
+                <a:ea typeface="Microsoft YaHei" panose="020B0503020204020204" pitchFamily="34" charset="-122"/>
+              </a:rPr>
               <a:t>(1)</a:t>
             </a:r>
-            <a:endParaRPr lang="en-US" dirty="0"/>
+            <a:endParaRPr lang="en-US" dirty="0">
+              <a:latin typeface="Microsoft YaHei" panose="020B0503020204020204" pitchFamily="34" charset="-122"/>
+              <a:ea typeface="Microsoft YaHei" panose="020B0503020204020204" pitchFamily="34" charset="-122"/>
+            </a:endParaRPr>
           </a:p>
         </p:txBody>
       </p:sp>
@@ -6696,14 +5666,23 @@
               <a:buChar char="v"/>
             </a:pPr>
             <a:r>
-              <a:rPr lang="en-US" altLang="zh-CN" dirty="0"/>
+              <a:rPr lang="en-US" altLang="zh-CN" dirty="0">
+                <a:latin typeface="Microsoft YaHei" panose="020B0503020204020204" pitchFamily="34" charset="-122"/>
+                <a:ea typeface="Microsoft YaHei" panose="020B0503020204020204" pitchFamily="34" charset="-122"/>
+              </a:rPr>
               <a:t>OpenGL</a:t>
             </a:r>
             <a:r>
-              <a:rPr lang="zh-CN" altLang="en-US" dirty="0"/>
+              <a:rPr lang="zh-CN" altLang="en-US" dirty="0">
+                <a:latin typeface="Microsoft YaHei" panose="020B0503020204020204" pitchFamily="34" charset="-122"/>
+                <a:ea typeface="Microsoft YaHei" panose="020B0503020204020204" pitchFamily="34" charset="-122"/>
+              </a:rPr>
               <a:t>介绍、环境搭建及简单几何体渲染</a:t>
             </a:r>
-            <a:endParaRPr lang="en-US" altLang="zh-CN" dirty="0"/>
+            <a:endParaRPr lang="en-US" altLang="zh-CN" dirty="0">
+              <a:latin typeface="Microsoft YaHei" panose="020B0503020204020204" pitchFamily="34" charset="-122"/>
+              <a:ea typeface="Microsoft YaHei" panose="020B0503020204020204" pitchFamily="34" charset="-122"/>
+            </a:endParaRPr>
           </a:p>
           <a:p>
             <a:pPr>
@@ -6711,10 +5690,16 @@
               <a:buChar char="v"/>
             </a:pPr>
             <a:r>
-              <a:rPr lang="zh-CN" altLang="en-US" dirty="0"/>
+              <a:rPr lang="zh-CN" altLang="en-US" dirty="0">
+                <a:latin typeface="Microsoft YaHei" panose="020B0503020204020204" pitchFamily="34" charset="-122"/>
+                <a:ea typeface="Microsoft YaHei" panose="020B0503020204020204" pitchFamily="34" charset="-122"/>
+              </a:rPr>
               <a:t>基础光照、纹理、基本交互</a:t>
             </a:r>
-            <a:endParaRPr lang="en-US" altLang="zh-CN" dirty="0"/>
+            <a:endParaRPr lang="en-US" altLang="zh-CN" dirty="0">
+              <a:latin typeface="Microsoft YaHei" panose="020B0503020204020204" pitchFamily="34" charset="-122"/>
+              <a:ea typeface="Microsoft YaHei" panose="020B0503020204020204" pitchFamily="34" charset="-122"/>
+            </a:endParaRPr>
           </a:p>
           <a:p>
             <a:pPr>
@@ -6722,22 +5707,37 @@
               <a:buChar char="v"/>
             </a:pPr>
             <a:r>
-              <a:rPr lang="en-US" altLang="zh-CN" dirty="0"/>
+              <a:rPr lang="en-US" altLang="zh-CN" dirty="0">
+                <a:latin typeface="Microsoft YaHei" panose="020B0503020204020204" pitchFamily="34" charset="-122"/>
+                <a:ea typeface="Microsoft YaHei" panose="020B0503020204020204" pitchFamily="34" charset="-122"/>
+              </a:rPr>
               <a:t>Shading language</a:t>
             </a:r>
             <a:r>
-              <a:rPr lang="zh-CN" altLang="en-US" dirty="0"/>
+              <a:rPr lang="zh-CN" altLang="en-US" dirty="0">
+                <a:latin typeface="Microsoft YaHei" panose="020B0503020204020204" pitchFamily="34" charset="-122"/>
+                <a:ea typeface="Microsoft YaHei" panose="020B0503020204020204" pitchFamily="34" charset="-122"/>
+              </a:rPr>
               <a:t>入门</a:t>
             </a:r>
             <a:r>
-              <a:rPr lang="en-US" altLang="zh-CN" dirty="0"/>
+              <a:rPr lang="en-US" altLang="zh-CN" dirty="0">
+                <a:latin typeface="Microsoft YaHei" panose="020B0503020204020204" pitchFamily="34" charset="-122"/>
+                <a:ea typeface="Microsoft YaHei" panose="020B0503020204020204" pitchFamily="34" charset="-122"/>
+              </a:rPr>
               <a:t>/</a:t>
             </a:r>
             <a:r>
-              <a:rPr lang="zh-CN" altLang="en-US" dirty="0"/>
+              <a:rPr lang="zh-CN" altLang="en-US" dirty="0">
+                <a:latin typeface="Microsoft YaHei" panose="020B0503020204020204" pitchFamily="34" charset="-122"/>
+                <a:ea typeface="Microsoft YaHei" panose="020B0503020204020204" pitchFamily="34" charset="-122"/>
+              </a:rPr>
               <a:t>简单过程纹理原理及实现</a:t>
             </a:r>
-            <a:endParaRPr lang="en-US" altLang="zh-CN" dirty="0"/>
+            <a:endParaRPr lang="en-US" altLang="zh-CN" dirty="0">
+              <a:latin typeface="Microsoft YaHei" panose="020B0503020204020204" pitchFamily="34" charset="-122"/>
+              <a:ea typeface="Microsoft YaHei" panose="020B0503020204020204" pitchFamily="34" charset="-122"/>
+            </a:endParaRPr>
           </a:p>
           <a:p>
             <a:pPr>
@@ -6745,18 +5745,30 @@
               <a:buChar char="v"/>
             </a:pPr>
             <a:r>
-              <a:rPr lang="zh-CN" altLang="en-US" dirty="0"/>
+              <a:rPr lang="zh-CN" altLang="en-US" dirty="0">
+                <a:latin typeface="Microsoft YaHei" panose="020B0503020204020204" pitchFamily="34" charset="-122"/>
+                <a:ea typeface="Microsoft YaHei" panose="020B0503020204020204" pitchFamily="34" charset="-122"/>
+              </a:rPr>
               <a:t>仿射变换初步</a:t>
             </a:r>
             <a:r>
-              <a:rPr lang="en-US" altLang="zh-CN" dirty="0"/>
+              <a:rPr lang="en-US" altLang="zh-CN" dirty="0">
+                <a:latin typeface="Microsoft YaHei" panose="020B0503020204020204" pitchFamily="34" charset="-122"/>
+                <a:ea typeface="Microsoft YaHei" panose="020B0503020204020204" pitchFamily="34" charset="-122"/>
+              </a:rPr>
               <a:t>/</a:t>
             </a:r>
             <a:r>
-              <a:rPr lang="zh-CN" altLang="en-US" dirty="0"/>
+              <a:rPr lang="zh-CN" altLang="en-US" dirty="0">
+                <a:latin typeface="Microsoft YaHei" panose="020B0503020204020204" pitchFamily="34" charset="-122"/>
+                <a:ea typeface="Microsoft YaHei" panose="020B0503020204020204" pitchFamily="34" charset="-122"/>
+              </a:rPr>
               <a:t>物理基础初步</a:t>
             </a:r>
-            <a:endParaRPr lang="en-US" altLang="zh-CN" dirty="0"/>
+            <a:endParaRPr lang="en-US" altLang="zh-CN" dirty="0">
+              <a:latin typeface="Microsoft YaHei" panose="020B0503020204020204" pitchFamily="34" charset="-122"/>
+              <a:ea typeface="Microsoft YaHei" panose="020B0503020204020204" pitchFamily="34" charset="-122"/>
+            </a:endParaRPr>
           </a:p>
           <a:p>
             <a:pPr>
@@ -6764,26 +5776,44 @@
               <a:buChar char="v"/>
             </a:pPr>
             <a:r>
-              <a:rPr lang="zh-CN" altLang="en-US" dirty="0"/>
+              <a:rPr lang="zh-CN" altLang="en-US" dirty="0">
+                <a:latin typeface="Microsoft YaHei" panose="020B0503020204020204" pitchFamily="34" charset="-122"/>
+                <a:ea typeface="Microsoft YaHei" panose="020B0503020204020204" pitchFamily="34" charset="-122"/>
+              </a:rPr>
               <a:t>物理模拟进阶</a:t>
             </a:r>
             <a:r>
-              <a:rPr lang="en-US" altLang="zh-CN" dirty="0"/>
+              <a:rPr lang="en-US" altLang="zh-CN" dirty="0">
+                <a:latin typeface="Microsoft YaHei" panose="020B0503020204020204" pitchFamily="34" charset="-122"/>
+                <a:ea typeface="Microsoft YaHei" panose="020B0503020204020204" pitchFamily="34" charset="-122"/>
+              </a:rPr>
               <a:t>—</a:t>
             </a:r>
             <a:r>
-              <a:rPr lang="zh-CN" altLang="en-US" dirty="0"/>
+              <a:rPr lang="zh-CN" altLang="en-US" dirty="0">
+                <a:latin typeface="Microsoft YaHei" panose="020B0503020204020204" pitchFamily="34" charset="-122"/>
+                <a:ea typeface="Microsoft YaHei" panose="020B0503020204020204" pitchFamily="34" charset="-122"/>
+              </a:rPr>
               <a:t>粒子系统</a:t>
             </a:r>
             <a:r>
-              <a:rPr lang="en-US" altLang="zh-CN" dirty="0"/>
+              <a:rPr lang="en-US" altLang="zh-CN" dirty="0">
+                <a:latin typeface="Microsoft YaHei" panose="020B0503020204020204" pitchFamily="34" charset="-122"/>
+                <a:ea typeface="Microsoft YaHei" panose="020B0503020204020204" pitchFamily="34" charset="-122"/>
+              </a:rPr>
               <a:t>/</a:t>
             </a:r>
             <a:r>
-              <a:rPr lang="zh-CN" altLang="en-US" dirty="0"/>
+              <a:rPr lang="zh-CN" altLang="en-US" dirty="0">
+                <a:latin typeface="Microsoft YaHei" panose="020B0503020204020204" pitchFamily="34" charset="-122"/>
+                <a:ea typeface="Microsoft YaHei" panose="020B0503020204020204" pitchFamily="34" charset="-122"/>
+              </a:rPr>
               <a:t>布料模拟，水体模拟</a:t>
             </a:r>
-            <a:endParaRPr lang="en-US" altLang="zh-CN" dirty="0"/>
+            <a:endParaRPr lang="en-US" altLang="zh-CN" dirty="0">
+              <a:latin typeface="Microsoft YaHei" panose="020B0503020204020204" pitchFamily="34" charset="-122"/>
+              <a:ea typeface="Microsoft YaHei" panose="020B0503020204020204" pitchFamily="34" charset="-122"/>
+            </a:endParaRPr>
           </a:p>
           <a:p>
             <a:pPr>
@@ -6791,10 +5821,16 @@
               <a:buChar char="v"/>
             </a:pPr>
             <a:r>
-              <a:rPr lang="zh-CN" altLang="en-US" dirty="0"/>
+              <a:rPr lang="zh-CN" altLang="en-US" dirty="0">
+                <a:latin typeface="Microsoft YaHei" panose="020B0503020204020204" pitchFamily="34" charset="-122"/>
+                <a:ea typeface="Microsoft YaHei" panose="020B0503020204020204" pitchFamily="34" charset="-122"/>
+              </a:rPr>
               <a:t>复杂几何体渲染</a:t>
             </a:r>
-            <a:endParaRPr lang="en-US" altLang="zh-CN" dirty="0"/>
+            <a:endParaRPr lang="en-US" altLang="zh-CN" dirty="0">
+              <a:latin typeface="Microsoft YaHei" panose="020B0503020204020204" pitchFamily="34" charset="-122"/>
+              <a:ea typeface="Microsoft YaHei" panose="020B0503020204020204" pitchFamily="34" charset="-122"/>
+            </a:endParaRPr>
           </a:p>
           <a:p>
             <a:pPr>
@@ -6802,10 +5838,16 @@
               <a:buChar char="v"/>
             </a:pPr>
             <a:r>
-              <a:rPr lang="zh-CN" altLang="en-US" dirty="0"/>
+              <a:rPr lang="zh-CN" altLang="en-US" dirty="0">
+                <a:latin typeface="Microsoft YaHei" panose="020B0503020204020204" pitchFamily="34" charset="-122"/>
+                <a:ea typeface="Microsoft YaHei" panose="020B0503020204020204" pitchFamily="34" charset="-122"/>
+              </a:rPr>
               <a:t>复杂光照实现</a:t>
             </a:r>
-            <a:endParaRPr lang="en-US" altLang="zh-CN" dirty="0"/>
+            <a:endParaRPr lang="en-US" altLang="zh-CN" dirty="0">
+              <a:latin typeface="Microsoft YaHei" panose="020B0503020204020204" pitchFamily="34" charset="-122"/>
+              <a:ea typeface="Microsoft YaHei" panose="020B0503020204020204" pitchFamily="34" charset="-122"/>
+            </a:endParaRPr>
           </a:p>
           <a:p>
             <a:pPr>
@@ -6813,33 +5855,50 @@
               <a:buChar char="v"/>
             </a:pPr>
             <a:r>
-              <a:rPr lang="zh-CN" altLang="en-US" dirty="0"/>
+              <a:rPr lang="zh-CN" altLang="en-US" dirty="0">
+                <a:latin typeface="Microsoft YaHei" panose="020B0503020204020204" pitchFamily="34" charset="-122"/>
+                <a:ea typeface="Microsoft YaHei" panose="020B0503020204020204" pitchFamily="34" charset="-122"/>
+              </a:rPr>
               <a:t>综合案例</a:t>
             </a:r>
             <a:r>
-              <a:rPr lang="en-US" altLang="zh-CN" dirty="0"/>
+              <a:rPr lang="en-US" altLang="zh-CN" dirty="0">
+                <a:latin typeface="Microsoft YaHei" panose="020B0503020204020204" pitchFamily="34" charset="-122"/>
+                <a:ea typeface="Microsoft YaHei" panose="020B0503020204020204" pitchFamily="34" charset="-122"/>
+              </a:rPr>
               <a:t>-- </a:t>
             </a:r>
             <a:r>
               <a:rPr lang="en-US" altLang="zh-CN" dirty="0">
+                <a:latin typeface="Microsoft YaHei" panose="020B0503020204020204" pitchFamily="34" charset="-122"/>
+                <a:ea typeface="Microsoft YaHei" panose="020B0503020204020204" pitchFamily="34" charset="-122"/>
                 <a:hlinkClick r:id="rId6"/>
               </a:rPr>
               <a:t>http://madebyevan.com/webgl-water/</a:t>
             </a:r>
-            <a:endParaRPr lang="en-US" altLang="zh-CN" dirty="0"/>
+            <a:endParaRPr lang="en-US" altLang="zh-CN" dirty="0">
+              <a:latin typeface="Microsoft YaHei" panose="020B0503020204020204" pitchFamily="34" charset="-122"/>
+              <a:ea typeface="Microsoft YaHei" panose="020B0503020204020204" pitchFamily="34" charset="-122"/>
+            </a:endParaRPr>
           </a:p>
           <a:p>
             <a:pPr marL="0" indent="0">
               <a:buNone/>
             </a:pPr>
-            <a:endParaRPr lang="en-US" altLang="zh-CN" dirty="0"/>
+            <a:endParaRPr lang="en-US" altLang="zh-CN" dirty="0">
+              <a:latin typeface="Microsoft YaHei" panose="020B0503020204020204" pitchFamily="34" charset="-122"/>
+              <a:ea typeface="Microsoft YaHei" panose="020B0503020204020204" pitchFamily="34" charset="-122"/>
+            </a:endParaRPr>
           </a:p>
           <a:p>
             <a:pPr>
               <a:buFont typeface="Wingdings" panose="05000000000000000000" pitchFamily="2" charset="2"/>
               <a:buChar char="v"/>
             </a:pPr>
-            <a:endParaRPr lang="en-US" altLang="zh-CN" dirty="0"/>
+            <a:endParaRPr lang="en-US" altLang="zh-CN" dirty="0">
+              <a:latin typeface="Microsoft YaHei" panose="020B0503020204020204" pitchFamily="34" charset="-122"/>
+              <a:ea typeface="Microsoft YaHei" panose="020B0503020204020204" pitchFamily="34" charset="-122"/>
+            </a:endParaRPr>
           </a:p>
         </p:txBody>
       </p:sp>
@@ -8101,7 +7160,7 @@
 </p:sld>
 </file>
 
-<file path=ppt/slides/slide4.xml><?xml version="1.0" encoding="utf-8"?>
+<file path=ppt/slides/slide5.xml><?xml version="1.0" encoding="utf-8"?>
 <p:sld xmlns:a="http://schemas.openxmlformats.org/drawingml/2006/main" xmlns:r="http://schemas.openxmlformats.org/officeDocument/2006/relationships" xmlns:p="http://schemas.openxmlformats.org/presentationml/2006/main">
   <p:cSld>
     <p:spTree>
@@ -8140,18 +7199,30 @@
           <a:lstStyle/>
           <a:p>
             <a:r>
-              <a:rPr lang="en-US" dirty="0"/>
+              <a:rPr lang="en-US" dirty="0">
+                <a:latin typeface="Microsoft YaHei" panose="020B0503020204020204" pitchFamily="34" charset="-122"/>
+                <a:ea typeface="Microsoft YaHei" panose="020B0503020204020204" pitchFamily="34" charset="-122"/>
+              </a:rPr>
               <a:t>OpenGL</a:t>
             </a:r>
             <a:r>
-              <a:rPr lang="zh-CN" altLang="en-US" dirty="0"/>
+              <a:rPr lang="zh-CN" altLang="en-US" dirty="0">
+                <a:latin typeface="Microsoft YaHei" panose="020B0503020204020204" pitchFamily="34" charset="-122"/>
+                <a:ea typeface="Microsoft YaHei" panose="020B0503020204020204" pitchFamily="34" charset="-122"/>
+              </a:rPr>
               <a:t>与</a:t>
             </a:r>
             <a:r>
-              <a:rPr lang="en-US" altLang="zh-CN" dirty="0"/>
+              <a:rPr lang="en-US" altLang="zh-CN" dirty="0">
+                <a:latin typeface="Microsoft YaHei" panose="020B0503020204020204" pitchFamily="34" charset="-122"/>
+                <a:ea typeface="Microsoft YaHei" panose="020B0503020204020204" pitchFamily="34" charset="-122"/>
+              </a:rPr>
               <a:t>OpenGL ES</a:t>
             </a:r>
-            <a:endParaRPr lang="en-US" dirty="0"/>
+            <a:endParaRPr lang="en-US" dirty="0">
+              <a:latin typeface="Microsoft YaHei" panose="020B0503020204020204" pitchFamily="34" charset="-122"/>
+              <a:ea typeface="Microsoft YaHei" panose="020B0503020204020204" pitchFamily="34" charset="-122"/>
+            </a:endParaRPr>
           </a:p>
         </p:txBody>
       </p:sp>
@@ -8409,168 +7480,6 @@
     <p:extLst>
       <p:ext uri="{BB962C8B-B14F-4D97-AF65-F5344CB8AC3E}">
         <p14:creationId xmlns:p14="http://schemas.microsoft.com/office/powerpoint/2010/main" val="2092711187"/>
-      </p:ext>
-    </p:extLst>
-  </p:cSld>
-  <p:clrMapOvr>
-    <a:masterClrMapping/>
-  </p:clrMapOvr>
-</p:sld>
-</file>
-
-<file path=ppt/slides/slide5.xml><?xml version="1.0" encoding="utf-8"?>
-<p:sld xmlns:a="http://schemas.openxmlformats.org/drawingml/2006/main" xmlns:r="http://schemas.openxmlformats.org/officeDocument/2006/relationships" xmlns:p="http://schemas.openxmlformats.org/presentationml/2006/main">
-  <p:cSld>
-    <p:spTree>
-      <p:nvGrpSpPr>
-        <p:cNvPr id="1" name=""/>
-        <p:cNvGrpSpPr/>
-        <p:nvPr/>
-      </p:nvGrpSpPr>
-      <p:grpSpPr>
-        <a:xfrm>
-          <a:off x="0" y="0"/>
-          <a:ext cx="0" cy="0"/>
-          <a:chOff x="0" y="0"/>
-          <a:chExt cx="0" cy="0"/>
-        </a:xfrm>
-      </p:grpSpPr>
-      <p:sp>
-        <p:nvSpPr>
-          <p:cNvPr id="2" name="Title 1">
-            <a:extLst>
-              <a:ext uri="{FF2B5EF4-FFF2-40B4-BE49-F238E27FC236}">
-                <a16:creationId xmlns:a16="http://schemas.microsoft.com/office/drawing/2014/main" id="{65482CEB-98CE-4702-A187-DDDEDFA7E5C1}"/>
-              </a:ext>
-            </a:extLst>
-          </p:cNvPr>
-          <p:cNvSpPr>
-            <a:spLocks noGrp="1"/>
-          </p:cNvSpPr>
-          <p:nvPr>
-            <p:ph type="title"/>
-          </p:nvPr>
-        </p:nvSpPr>
-        <p:spPr/>
-        <p:txBody>
-          <a:bodyPr/>
-          <a:lstStyle/>
-          <a:p>
-            <a:r>
-              <a:rPr lang="zh-CN" altLang="en-US" dirty="0"/>
-              <a:t>渲染流水线简介</a:t>
-            </a:r>
-            <a:r>
-              <a:rPr lang="en-US" altLang="zh-CN" dirty="0"/>
-              <a:t>(1)</a:t>
-            </a:r>
-            <a:endParaRPr lang="en-US" dirty="0"/>
-          </a:p>
-        </p:txBody>
-      </p:sp>
-      <p:sp>
-        <p:nvSpPr>
-          <p:cNvPr id="3" name="Content Placeholder 2">
-            <a:extLst>
-              <a:ext uri="{FF2B5EF4-FFF2-40B4-BE49-F238E27FC236}">
-                <a16:creationId xmlns:a16="http://schemas.microsoft.com/office/drawing/2014/main" id="{9156FC23-82A6-4DAD-BF2E-A810F03ABEB4}"/>
-              </a:ext>
-            </a:extLst>
-          </p:cNvPr>
-          <p:cNvSpPr>
-            <a:spLocks noGrp="1"/>
-          </p:cNvSpPr>
-          <p:nvPr>
-            <p:ph idx="1"/>
-          </p:nvPr>
-        </p:nvSpPr>
-        <p:spPr/>
-        <p:txBody>
-          <a:bodyPr>
-            <a:normAutofit/>
-          </a:bodyPr>
-          <a:lstStyle/>
-          <a:p>
-            <a:r>
-              <a:rPr lang="zh-CN" altLang="en-US" dirty="0"/>
-              <a:t>流水线</a:t>
-            </a:r>
-            <a:endParaRPr lang="en-US" altLang="zh-CN" dirty="0"/>
-          </a:p>
-          <a:p>
-            <a:pPr lvl="1"/>
-            <a:r>
-              <a:rPr lang="zh-CN" altLang="en-US" dirty="0"/>
-              <a:t>输入</a:t>
-            </a:r>
-            <a:r>
-              <a:rPr lang="en-US" altLang="zh-CN" dirty="0"/>
-              <a:t>: </a:t>
-            </a:r>
-            <a:r>
-              <a:rPr lang="zh-CN" altLang="en-US" dirty="0"/>
-              <a:t>三角形顶点信息</a:t>
-            </a:r>
-            <a:r>
-              <a:rPr lang="en-US" altLang="zh-CN" dirty="0"/>
-              <a:t>,</a:t>
-            </a:r>
-            <a:r>
-              <a:rPr lang="zh-CN" altLang="en-US" dirty="0"/>
-              <a:t> 灯光信息等等“原材料”</a:t>
-            </a:r>
-            <a:endParaRPr lang="en-US" altLang="zh-CN" dirty="0"/>
-          </a:p>
-          <a:p>
-            <a:pPr lvl="1"/>
-            <a:r>
-              <a:rPr lang="zh-CN" altLang="en-US" dirty="0"/>
-              <a:t>输出</a:t>
-            </a:r>
-            <a:r>
-              <a:rPr lang="en-US" altLang="zh-CN" dirty="0"/>
-              <a:t>: </a:t>
-            </a:r>
-            <a:r>
-              <a:rPr lang="zh-CN" altLang="en-US" dirty="0"/>
-              <a:t>屏幕图像</a:t>
-            </a:r>
-            <a:endParaRPr lang="en-US" altLang="zh-CN" dirty="0"/>
-          </a:p>
-          <a:p>
-            <a:pPr lvl="1"/>
-            <a:endParaRPr lang="en-US" altLang="zh-CN" dirty="0"/>
-          </a:p>
-          <a:p>
-            <a:pPr lvl="1"/>
-            <a:endParaRPr lang="en-US" altLang="zh-CN" dirty="0"/>
-          </a:p>
-          <a:p>
-            <a:pPr lvl="1"/>
-            <a:endParaRPr lang="en-US" altLang="zh-CN" dirty="0"/>
-          </a:p>
-          <a:p>
-            <a:pPr lvl="1"/>
-            <a:endParaRPr lang="en-US" altLang="zh-CN" dirty="0"/>
-          </a:p>
-          <a:p>
-            <a:pPr lvl="1"/>
-            <a:endParaRPr lang="en-US" altLang="zh-CN" dirty="0"/>
-          </a:p>
-          <a:p>
-            <a:pPr lvl="1"/>
-            <a:endParaRPr lang="en-US" altLang="zh-CN" dirty="0"/>
-          </a:p>
-          <a:p>
-            <a:pPr lvl="1"/>
-            <a:endParaRPr lang="en-US" altLang="zh-CN" dirty="0"/>
-          </a:p>
-        </p:txBody>
-      </p:sp>
-    </p:spTree>
-    <p:extLst>
-      <p:ext uri="{BB962C8B-B14F-4D97-AF65-F5344CB8AC3E}">
-        <p14:creationId xmlns:p14="http://schemas.microsoft.com/office/powerpoint/2010/main" val="4274840164"/>
       </p:ext>
     </p:extLst>
   </p:cSld>
@@ -8602,7 +7511,7 @@
           <p:cNvPr id="2" name="Title 1">
             <a:extLst>
               <a:ext uri="{FF2B5EF4-FFF2-40B4-BE49-F238E27FC236}">
-                <a16:creationId xmlns:a16="http://schemas.microsoft.com/office/drawing/2014/main" id="{EC09AE33-0DBB-4146-A2D6-0308175F8903}"/>
+                <a16:creationId xmlns:a16="http://schemas.microsoft.com/office/drawing/2014/main" id="{65482CEB-98CE-4702-A187-DDDEDFA7E5C1}"/>
               </a:ext>
             </a:extLst>
           </p:cNvPr>
@@ -8619,14 +7528,251 @@
           <a:lstStyle/>
           <a:p>
             <a:r>
-              <a:rPr lang="zh-CN" altLang="en-US" dirty="0"/>
+              <a:rPr lang="zh-CN" altLang="en-US" dirty="0">
+                <a:latin typeface="Microsoft YaHei" panose="020B0503020204020204" pitchFamily="34" charset="-122"/>
+                <a:ea typeface="Microsoft YaHei" panose="020B0503020204020204" pitchFamily="34" charset="-122"/>
+              </a:rPr>
               <a:t>渲染流水线简介</a:t>
             </a:r>
             <a:r>
-              <a:rPr lang="en-US" altLang="zh-CN" dirty="0"/>
+              <a:rPr lang="en-US" altLang="zh-CN" dirty="0">
+                <a:latin typeface="Microsoft YaHei" panose="020B0503020204020204" pitchFamily="34" charset="-122"/>
+                <a:ea typeface="Microsoft YaHei" panose="020B0503020204020204" pitchFamily="34" charset="-122"/>
+              </a:rPr>
+              <a:t>(1)</a:t>
+            </a:r>
+            <a:endParaRPr lang="en-US" dirty="0">
+              <a:latin typeface="Microsoft YaHei" panose="020B0503020204020204" pitchFamily="34" charset="-122"/>
+              <a:ea typeface="Microsoft YaHei" panose="020B0503020204020204" pitchFamily="34" charset="-122"/>
+            </a:endParaRPr>
+          </a:p>
+        </p:txBody>
+      </p:sp>
+      <p:sp>
+        <p:nvSpPr>
+          <p:cNvPr id="3" name="Content Placeholder 2">
+            <a:extLst>
+              <a:ext uri="{FF2B5EF4-FFF2-40B4-BE49-F238E27FC236}">
+                <a16:creationId xmlns:a16="http://schemas.microsoft.com/office/drawing/2014/main" id="{9156FC23-82A6-4DAD-BF2E-A810F03ABEB4}"/>
+              </a:ext>
+            </a:extLst>
+          </p:cNvPr>
+          <p:cNvSpPr>
+            <a:spLocks noGrp="1"/>
+          </p:cNvSpPr>
+          <p:nvPr>
+            <p:ph idx="1"/>
+          </p:nvPr>
+        </p:nvSpPr>
+        <p:spPr/>
+        <p:txBody>
+          <a:bodyPr>
+            <a:normAutofit/>
+          </a:bodyPr>
+          <a:lstStyle/>
+          <a:p>
+            <a:r>
+              <a:rPr lang="zh-CN" altLang="en-US" dirty="0">
+                <a:latin typeface="Microsoft YaHei" panose="020B0503020204020204" pitchFamily="34" charset="-122"/>
+                <a:ea typeface="Microsoft YaHei" panose="020B0503020204020204" pitchFamily="34" charset="-122"/>
+              </a:rPr>
+              <a:t>流水线</a:t>
+            </a:r>
+            <a:endParaRPr lang="en-US" altLang="zh-CN" dirty="0">
+              <a:latin typeface="Microsoft YaHei" panose="020B0503020204020204" pitchFamily="34" charset="-122"/>
+              <a:ea typeface="Microsoft YaHei" panose="020B0503020204020204" pitchFamily="34" charset="-122"/>
+            </a:endParaRPr>
+          </a:p>
+          <a:p>
+            <a:pPr lvl="1"/>
+            <a:r>
+              <a:rPr lang="zh-CN" altLang="en-US" dirty="0">
+                <a:latin typeface="Microsoft YaHei" panose="020B0503020204020204" pitchFamily="34" charset="-122"/>
+                <a:ea typeface="Microsoft YaHei" panose="020B0503020204020204" pitchFamily="34" charset="-122"/>
+              </a:rPr>
+              <a:t>输入</a:t>
+            </a:r>
+            <a:r>
+              <a:rPr lang="en-US" altLang="zh-CN" dirty="0">
+                <a:latin typeface="Microsoft YaHei" panose="020B0503020204020204" pitchFamily="34" charset="-122"/>
+                <a:ea typeface="Microsoft YaHei" panose="020B0503020204020204" pitchFamily="34" charset="-122"/>
+              </a:rPr>
+              <a:t>: </a:t>
+            </a:r>
+            <a:r>
+              <a:rPr lang="zh-CN" altLang="en-US" dirty="0">
+                <a:latin typeface="Microsoft YaHei" panose="020B0503020204020204" pitchFamily="34" charset="-122"/>
+                <a:ea typeface="Microsoft YaHei" panose="020B0503020204020204" pitchFamily="34" charset="-122"/>
+              </a:rPr>
+              <a:t>三角形顶点信息</a:t>
+            </a:r>
+            <a:r>
+              <a:rPr lang="en-US" altLang="zh-CN" dirty="0">
+                <a:latin typeface="Microsoft YaHei" panose="020B0503020204020204" pitchFamily="34" charset="-122"/>
+                <a:ea typeface="Microsoft YaHei" panose="020B0503020204020204" pitchFamily="34" charset="-122"/>
+              </a:rPr>
+              <a:t>,</a:t>
+            </a:r>
+            <a:r>
+              <a:rPr lang="zh-CN" altLang="en-US" dirty="0">
+                <a:latin typeface="Microsoft YaHei" panose="020B0503020204020204" pitchFamily="34" charset="-122"/>
+                <a:ea typeface="Microsoft YaHei" panose="020B0503020204020204" pitchFamily="34" charset="-122"/>
+              </a:rPr>
+              <a:t> 灯光信息等等“原材料”</a:t>
+            </a:r>
+            <a:endParaRPr lang="en-US" altLang="zh-CN" dirty="0">
+              <a:latin typeface="Microsoft YaHei" panose="020B0503020204020204" pitchFamily="34" charset="-122"/>
+              <a:ea typeface="Microsoft YaHei" panose="020B0503020204020204" pitchFamily="34" charset="-122"/>
+            </a:endParaRPr>
+          </a:p>
+          <a:p>
+            <a:pPr lvl="1"/>
+            <a:r>
+              <a:rPr lang="zh-CN" altLang="en-US" dirty="0">
+                <a:latin typeface="Microsoft YaHei" panose="020B0503020204020204" pitchFamily="34" charset="-122"/>
+                <a:ea typeface="Microsoft YaHei" panose="020B0503020204020204" pitchFamily="34" charset="-122"/>
+              </a:rPr>
+              <a:t>输出</a:t>
+            </a:r>
+            <a:r>
+              <a:rPr lang="en-US" altLang="zh-CN" dirty="0">
+                <a:latin typeface="Microsoft YaHei" panose="020B0503020204020204" pitchFamily="34" charset="-122"/>
+                <a:ea typeface="Microsoft YaHei" panose="020B0503020204020204" pitchFamily="34" charset="-122"/>
+              </a:rPr>
+              <a:t>: </a:t>
+            </a:r>
+            <a:r>
+              <a:rPr lang="zh-CN" altLang="en-US" dirty="0">
+                <a:latin typeface="Microsoft YaHei" panose="020B0503020204020204" pitchFamily="34" charset="-122"/>
+                <a:ea typeface="Microsoft YaHei" panose="020B0503020204020204" pitchFamily="34" charset="-122"/>
+              </a:rPr>
+              <a:t>屏幕图像</a:t>
+            </a:r>
+            <a:endParaRPr lang="en-US" altLang="zh-CN" dirty="0">
+              <a:latin typeface="Microsoft YaHei" panose="020B0503020204020204" pitchFamily="34" charset="-122"/>
+              <a:ea typeface="Microsoft YaHei" panose="020B0503020204020204" pitchFamily="34" charset="-122"/>
+            </a:endParaRPr>
+          </a:p>
+          <a:p>
+            <a:pPr lvl="1"/>
+            <a:endParaRPr lang="en-US" altLang="zh-CN" dirty="0">
+              <a:latin typeface="Microsoft YaHei" panose="020B0503020204020204" pitchFamily="34" charset="-122"/>
+              <a:ea typeface="Microsoft YaHei" panose="020B0503020204020204" pitchFamily="34" charset="-122"/>
+            </a:endParaRPr>
+          </a:p>
+          <a:p>
+            <a:pPr lvl="1"/>
+            <a:endParaRPr lang="en-US" altLang="zh-CN" dirty="0">
+              <a:latin typeface="Microsoft YaHei" panose="020B0503020204020204" pitchFamily="34" charset="-122"/>
+              <a:ea typeface="Microsoft YaHei" panose="020B0503020204020204" pitchFamily="34" charset="-122"/>
+            </a:endParaRPr>
+          </a:p>
+          <a:p>
+            <a:pPr lvl="1"/>
+            <a:endParaRPr lang="en-US" altLang="zh-CN" dirty="0">
+              <a:latin typeface="Microsoft YaHei" panose="020B0503020204020204" pitchFamily="34" charset="-122"/>
+              <a:ea typeface="Microsoft YaHei" panose="020B0503020204020204" pitchFamily="34" charset="-122"/>
+            </a:endParaRPr>
+          </a:p>
+          <a:p>
+            <a:pPr lvl="1"/>
+            <a:endParaRPr lang="en-US" altLang="zh-CN" dirty="0">
+              <a:latin typeface="Microsoft YaHei" panose="020B0503020204020204" pitchFamily="34" charset="-122"/>
+              <a:ea typeface="Microsoft YaHei" panose="020B0503020204020204" pitchFamily="34" charset="-122"/>
+            </a:endParaRPr>
+          </a:p>
+          <a:p>
+            <a:pPr lvl="1"/>
+            <a:endParaRPr lang="en-US" altLang="zh-CN" dirty="0">
+              <a:latin typeface="Microsoft YaHei" panose="020B0503020204020204" pitchFamily="34" charset="-122"/>
+              <a:ea typeface="Microsoft YaHei" panose="020B0503020204020204" pitchFamily="34" charset="-122"/>
+            </a:endParaRPr>
+          </a:p>
+          <a:p>
+            <a:pPr lvl="1"/>
+            <a:endParaRPr lang="en-US" altLang="zh-CN" dirty="0">
+              <a:latin typeface="Microsoft YaHei" panose="020B0503020204020204" pitchFamily="34" charset="-122"/>
+              <a:ea typeface="Microsoft YaHei" panose="020B0503020204020204" pitchFamily="34" charset="-122"/>
+            </a:endParaRPr>
+          </a:p>
+          <a:p>
+            <a:pPr lvl="1"/>
+            <a:endParaRPr lang="en-US" altLang="zh-CN" dirty="0">
+              <a:latin typeface="Microsoft YaHei" panose="020B0503020204020204" pitchFamily="34" charset="-122"/>
+              <a:ea typeface="Microsoft YaHei" panose="020B0503020204020204" pitchFamily="34" charset="-122"/>
+            </a:endParaRPr>
+          </a:p>
+        </p:txBody>
+      </p:sp>
+    </p:spTree>
+    <p:extLst>
+      <p:ext uri="{BB962C8B-B14F-4D97-AF65-F5344CB8AC3E}">
+        <p14:creationId xmlns:p14="http://schemas.microsoft.com/office/powerpoint/2010/main" val="4274840164"/>
+      </p:ext>
+    </p:extLst>
+  </p:cSld>
+  <p:clrMapOvr>
+    <a:masterClrMapping/>
+  </p:clrMapOvr>
+</p:sld>
+</file>
+
+<file path=ppt/slides/slide7.xml><?xml version="1.0" encoding="utf-8"?>
+<p:sld xmlns:a="http://schemas.openxmlformats.org/drawingml/2006/main" xmlns:r="http://schemas.openxmlformats.org/officeDocument/2006/relationships" xmlns:p="http://schemas.openxmlformats.org/presentationml/2006/main">
+  <p:cSld>
+    <p:spTree>
+      <p:nvGrpSpPr>
+        <p:cNvPr id="1" name=""/>
+        <p:cNvGrpSpPr/>
+        <p:nvPr/>
+      </p:nvGrpSpPr>
+      <p:grpSpPr>
+        <a:xfrm>
+          <a:off x="0" y="0"/>
+          <a:ext cx="0" cy="0"/>
+          <a:chOff x="0" y="0"/>
+          <a:chExt cx="0" cy="0"/>
+        </a:xfrm>
+      </p:grpSpPr>
+      <p:sp>
+        <p:nvSpPr>
+          <p:cNvPr id="2" name="Title 1">
+            <a:extLst>
+              <a:ext uri="{FF2B5EF4-FFF2-40B4-BE49-F238E27FC236}">
+                <a16:creationId xmlns:a16="http://schemas.microsoft.com/office/drawing/2014/main" id="{EC09AE33-0DBB-4146-A2D6-0308175F8903}"/>
+              </a:ext>
+            </a:extLst>
+          </p:cNvPr>
+          <p:cNvSpPr>
+            <a:spLocks noGrp="1"/>
+          </p:cNvSpPr>
+          <p:nvPr>
+            <p:ph type="title"/>
+          </p:nvPr>
+        </p:nvSpPr>
+        <p:spPr/>
+        <p:txBody>
+          <a:bodyPr/>
+          <a:lstStyle/>
+          <a:p>
+            <a:r>
+              <a:rPr lang="zh-CN" altLang="en-US" dirty="0">
+                <a:latin typeface="Microsoft YaHei" panose="020B0503020204020204" pitchFamily="34" charset="-122"/>
+                <a:ea typeface="Microsoft YaHei" panose="020B0503020204020204" pitchFamily="34" charset="-122"/>
+              </a:rPr>
+              <a:t>渲染流水线简介</a:t>
+            </a:r>
+            <a:r>
+              <a:rPr lang="en-US" altLang="zh-CN" dirty="0">
+                <a:latin typeface="Microsoft YaHei" panose="020B0503020204020204" pitchFamily="34" charset="-122"/>
+                <a:ea typeface="Microsoft YaHei" panose="020B0503020204020204" pitchFamily="34" charset="-122"/>
+              </a:rPr>
               <a:t>(2)</a:t>
             </a:r>
-            <a:endParaRPr lang="en-US" dirty="0"/>
+            <a:endParaRPr lang="en-US" dirty="0">
+              <a:latin typeface="Microsoft YaHei" panose="020B0503020204020204" pitchFamily="34" charset="-122"/>
+              <a:ea typeface="Microsoft YaHei" panose="020B0503020204020204" pitchFamily="34" charset="-122"/>
+            </a:endParaRPr>
           </a:p>
         </p:txBody>
       </p:sp>
@@ -8675,7 +7821,7 @@
 </p:sld>
 </file>
 
-<file path=ppt/slides/slide7.xml><?xml version="1.0" encoding="utf-8"?>
+<file path=ppt/slides/slide8.xml><?xml version="1.0" encoding="utf-8"?>
 <p:sld xmlns:a="http://schemas.openxmlformats.org/drawingml/2006/main" xmlns:r="http://schemas.openxmlformats.org/officeDocument/2006/relationships" xmlns:p="http://schemas.openxmlformats.org/presentationml/2006/main">
   <p:cSld>
     <p:spTree>
@@ -8714,10 +7860,16 @@
           <a:lstStyle/>
           <a:p>
             <a:r>
-              <a:rPr lang="zh-CN" altLang="en-US" dirty="0"/>
+              <a:rPr lang="zh-CN" altLang="en-US" dirty="0">
+                <a:latin typeface="Microsoft YaHei" panose="020B0503020204020204" pitchFamily="34" charset="-122"/>
+                <a:ea typeface="Microsoft YaHei" panose="020B0503020204020204" pitchFamily="34" charset="-122"/>
+              </a:rPr>
               <a:t>开码。。。。。</a:t>
             </a:r>
-            <a:endParaRPr lang="en-US" dirty="0"/>
+            <a:endParaRPr lang="en-US" dirty="0">
+              <a:latin typeface="Microsoft YaHei" panose="020B0503020204020204" pitchFamily="34" charset="-122"/>
+              <a:ea typeface="Microsoft YaHei" panose="020B0503020204020204" pitchFamily="34" charset="-122"/>
+            </a:endParaRPr>
           </a:p>
         </p:txBody>
       </p:sp>
@@ -8743,32 +7895,53 @@
           <a:lstStyle/>
           <a:p>
             <a:r>
-              <a:rPr lang="en-US" altLang="zh-CN" dirty="0"/>
+              <a:rPr lang="en-US" altLang="zh-CN" dirty="0">
+                <a:latin typeface="Microsoft YaHei" panose="020B0503020204020204" pitchFamily="34" charset="-122"/>
+                <a:ea typeface="Microsoft YaHei" panose="020B0503020204020204" pitchFamily="34" charset="-122"/>
+              </a:rPr>
               <a:t>Android SDK</a:t>
             </a:r>
           </a:p>
           <a:p>
             <a:pPr lvl="1"/>
             <a:r>
-              <a:rPr lang="en-US" altLang="zh-CN" dirty="0" err="1"/>
+              <a:rPr lang="en-US" altLang="zh-CN" dirty="0" err="1">
+                <a:latin typeface="Microsoft YaHei" panose="020B0503020204020204" pitchFamily="34" charset="-122"/>
+                <a:ea typeface="Microsoft YaHei" panose="020B0503020204020204" pitchFamily="34" charset="-122"/>
+              </a:rPr>
               <a:t>GLSurfaceView</a:t>
             </a:r>
-            <a:endParaRPr lang="en-US" altLang="zh-CN" dirty="0"/>
+            <a:endParaRPr lang="en-US" altLang="zh-CN" dirty="0">
+              <a:latin typeface="Microsoft YaHei" panose="020B0503020204020204" pitchFamily="34" charset="-122"/>
+              <a:ea typeface="Microsoft YaHei" panose="020B0503020204020204" pitchFamily="34" charset="-122"/>
+            </a:endParaRPr>
           </a:p>
           <a:p>
             <a:pPr lvl="1"/>
             <a:r>
-              <a:rPr lang="en-US" altLang="zh-CN" dirty="0" err="1"/>
+              <a:rPr lang="en-US" altLang="zh-CN" dirty="0" err="1">
+                <a:latin typeface="Microsoft YaHei" panose="020B0503020204020204" pitchFamily="34" charset="-122"/>
+                <a:ea typeface="Microsoft YaHei" panose="020B0503020204020204" pitchFamily="34" charset="-122"/>
+              </a:rPr>
               <a:t>GLSurfaceView.Renderer</a:t>
             </a:r>
-            <a:endParaRPr lang="en-US" altLang="zh-CN" dirty="0"/>
-          </a:p>
-          <a:p>
-            <a:r>
-              <a:rPr lang="zh-CN" altLang="en-US" dirty="0"/>
+            <a:endParaRPr lang="en-US" altLang="zh-CN" dirty="0">
+              <a:latin typeface="Microsoft YaHei" panose="020B0503020204020204" pitchFamily="34" charset="-122"/>
+              <a:ea typeface="Microsoft YaHei" panose="020B0503020204020204" pitchFamily="34" charset="-122"/>
+            </a:endParaRPr>
+          </a:p>
+          <a:p>
+            <a:r>
+              <a:rPr lang="zh-CN" altLang="en-US" dirty="0">
+                <a:latin typeface="Microsoft YaHei" panose="020B0503020204020204" pitchFamily="34" charset="-122"/>
+                <a:ea typeface="Microsoft YaHei" panose="020B0503020204020204" pitchFamily="34" charset="-122"/>
+              </a:rPr>
               <a:t>在屏幕上显示一个三角形</a:t>
             </a:r>
-            <a:endParaRPr lang="en-US" dirty="0"/>
+            <a:endParaRPr lang="en-US" dirty="0">
+              <a:latin typeface="Microsoft YaHei" panose="020B0503020204020204" pitchFamily="34" charset="-122"/>
+              <a:ea typeface="Microsoft YaHei" panose="020B0503020204020204" pitchFamily="34" charset="-122"/>
+            </a:endParaRPr>
           </a:p>
         </p:txBody>
       </p:sp>
